--- a/Project PPts/Project Review-1 (1).pptx
+++ b/Project PPts/Project Review-1 (1).pptx
@@ -5,7 +5,7 @@
     <p:sldMasterId id="2147483793" r:id="rId1"/>
   </p:sldMasterIdLst>
   <p:notesMasterIdLst>
-    <p:notesMasterId r:id="rId33"/>
+    <p:notesMasterId r:id="rId35"/>
   </p:notesMasterIdLst>
   <p:sldIdLst>
     <p:sldId id="264" r:id="rId2"/>
@@ -33,48 +33,50 @@
     <p:sldId id="273" r:id="rId24"/>
     <p:sldId id="274" r:id="rId25"/>
     <p:sldId id="275" r:id="rId26"/>
-    <p:sldId id="276" r:id="rId27"/>
-    <p:sldId id="269" r:id="rId28"/>
-    <p:sldId id="270" r:id="rId29"/>
-    <p:sldId id="271" r:id="rId30"/>
-    <p:sldId id="272" r:id="rId31"/>
-    <p:sldId id="262" r:id="rId32"/>
+    <p:sldId id="290" r:id="rId27"/>
+    <p:sldId id="294" r:id="rId28"/>
+    <p:sldId id="291" r:id="rId29"/>
+    <p:sldId id="269" r:id="rId30"/>
+    <p:sldId id="270" r:id="rId31"/>
+    <p:sldId id="271" r:id="rId32"/>
+    <p:sldId id="272" r:id="rId33"/>
+    <p:sldId id="262" r:id="rId34"/>
   </p:sldIdLst>
   <p:sldSz cx="9144000" cy="5143500" type="screen16x9"/>
   <p:notesSz cx="6858000" cy="9144000"/>
   <p:embeddedFontLst>
     <p:embeddedFont>
+      <p:font typeface="Wingdings 2" panose="05020102010507070707" pitchFamily="18" charset="2"/>
+      <p:regular r:id="rId36"/>
+    </p:embeddedFont>
+    <p:embeddedFont>
       <p:font typeface="Constantia" panose="02030602050306030303" pitchFamily="18" charset="0"/>
-      <p:regular r:id="rId34"/>
-      <p:bold r:id="rId35"/>
-      <p:italic r:id="rId36"/>
-      <p:boldItalic r:id="rId37"/>
+      <p:regular r:id="rId37"/>
+      <p:bold r:id="rId38"/>
+      <p:italic r:id="rId39"/>
+      <p:boldItalic r:id="rId40"/>
     </p:embeddedFont>
     <p:embeddedFont>
       <p:font typeface="Monotype Corsiva" panose="03010101010201010101" pitchFamily="66" charset="0"/>
-      <p:italic r:id="rId38"/>
+      <p:italic r:id="rId41"/>
     </p:embeddedFont>
     <p:embeddedFont>
       <p:font typeface="Lucida Calligraphy" panose="03010101010101010101" pitchFamily="66" charset="0"/>
-      <p:regular r:id="rId39"/>
+      <p:regular r:id="rId42"/>
     </p:embeddedFont>
     <p:embeddedFont>
       <p:font typeface="Trebuchet MS" panose="020B0603020202020204" pitchFamily="34" charset="0"/>
-      <p:regular r:id="rId40"/>
-      <p:bold r:id="rId41"/>
-      <p:italic r:id="rId42"/>
-      <p:boldItalic r:id="rId43"/>
+      <p:regular r:id="rId43"/>
+      <p:bold r:id="rId44"/>
+      <p:italic r:id="rId45"/>
+      <p:boldItalic r:id="rId46"/>
     </p:embeddedFont>
     <p:embeddedFont>
       <p:font typeface="Calibri" panose="020F0502020204030204" pitchFamily="34" charset="0"/>
-      <p:regular r:id="rId44"/>
-      <p:bold r:id="rId45"/>
-      <p:italic r:id="rId46"/>
-      <p:boldItalic r:id="rId47"/>
-    </p:embeddedFont>
-    <p:embeddedFont>
-      <p:font typeface="Wingdings 2" panose="05020102010507070707" pitchFamily="18" charset="2"/>
-      <p:regular r:id="rId48"/>
+      <p:regular r:id="rId47"/>
+      <p:bold r:id="rId48"/>
+      <p:italic r:id="rId49"/>
+      <p:boldItalic r:id="rId50"/>
     </p:embeddedFont>
   </p:embeddedFontLst>
   <p:defaultTextStyle>
@@ -1094,7 +1096,7 @@
         <a:lstStyle/>
         <a:p>
           <a:r>
-            <a:rPr lang="en-US" b="0" kern="1200">
+            <a:rPr lang="en-US" b="0" kern="1200" dirty="0">
               <a:latin typeface="+mn-lt"/>
               <a:ea typeface="+mn-ea"/>
               <a:cs typeface="+mn-cs"/>
@@ -1182,7 +1184,7 @@
         <a:lstStyle/>
         <a:p>
           <a:r>
-            <a:rPr lang="en-US" b="0" kern="1200">
+            <a:rPr lang="en-US" b="0" kern="1200" dirty="0">
               <a:latin typeface="+mn-lt"/>
               <a:ea typeface="+mn-ea"/>
               <a:cs typeface="+mn-cs"/>
@@ -1366,6 +1368,583 @@
       <dsp:cNvGrpSpPr/>
     </dsp:nvGrpSpPr>
     <dsp:grpSpPr/>
+    <dsp:sp modelId="{9620E7E0-1BC4-4C4B-9F59-3A14ADA3D6D1}">
+      <dsp:nvSpPr>
+        <dsp:cNvPr id="0" name=""/>
+        <dsp:cNvSpPr/>
+      </dsp:nvSpPr>
+      <dsp:spPr>
+        <a:xfrm rot="5400000">
+          <a:off x="-142524" y="1058693"/>
+          <a:ext cx="666544" cy="81837"/>
+        </a:xfrm>
+        <a:prstGeom prst="rect">
+          <a:avLst/>
+        </a:prstGeom>
+        <a:gradFill rotWithShape="0">
+          <a:gsLst>
+            <a:gs pos="0">
+              <a:schemeClr val="accent6">
+                <a:tint val="60000"/>
+                <a:hueOff val="0"/>
+                <a:satOff val="0"/>
+                <a:lumOff val="0"/>
+                <a:alphaOff val="0"/>
+                <a:tint val="98000"/>
+                <a:shade val="25000"/>
+                <a:satMod val="250000"/>
+              </a:schemeClr>
+            </a:gs>
+            <a:gs pos="68000">
+              <a:schemeClr val="accent6">
+                <a:tint val="60000"/>
+                <a:hueOff val="0"/>
+                <a:satOff val="0"/>
+                <a:lumOff val="0"/>
+                <a:alphaOff val="0"/>
+                <a:tint val="86000"/>
+                <a:satMod val="115000"/>
+              </a:schemeClr>
+            </a:gs>
+            <a:gs pos="100000">
+              <a:schemeClr val="accent6">
+                <a:tint val="60000"/>
+                <a:hueOff val="0"/>
+                <a:satOff val="0"/>
+                <a:lumOff val="0"/>
+                <a:alphaOff val="0"/>
+                <a:tint val="50000"/>
+                <a:satMod val="150000"/>
+              </a:schemeClr>
+            </a:gs>
+          </a:gsLst>
+          <a:path path="circle">
+            <a:fillToRect l="50000" t="130000" r="50000" b="-30000"/>
+          </a:path>
+        </a:gradFill>
+        <a:ln>
+          <a:noFill/>
+        </a:ln>
+        <a:effectLst>
+          <a:outerShdw blurRad="57150" dist="38100" dir="5400000" algn="ctr" rotWithShape="0">
+            <a:schemeClr val="accent6">
+              <a:tint val="60000"/>
+              <a:hueOff val="0"/>
+              <a:satOff val="0"/>
+              <a:lumOff val="0"/>
+              <a:alphaOff val="0"/>
+              <a:shade val="9000"/>
+              <a:satMod val="105000"/>
+              <a:alpha val="48000"/>
+            </a:schemeClr>
+          </a:outerShdw>
+        </a:effectLst>
+        <a:scene3d>
+          <a:camera prst="orthographicFront" fov="0">
+            <a:rot lat="0" lon="0" rev="0"/>
+          </a:camera>
+          <a:lightRig rig="glow" dir="tl">
+            <a:rot lat="0" lon="0" rev="900000"/>
+          </a:lightRig>
+        </a:scene3d>
+        <a:sp3d prstMaterial="powder">
+          <a:bevelT w="25400" h="38100"/>
+        </a:sp3d>
+      </dsp:spPr>
+      <dsp:style>
+        <a:lnRef idx="0">
+          <a:scrgbClr r="0" g="0" b="0"/>
+        </a:lnRef>
+        <a:fillRef idx="3">
+          <a:scrgbClr r="0" g="0" b="0"/>
+        </a:fillRef>
+        <a:effectRef idx="3">
+          <a:scrgbClr r="0" g="0" b="0"/>
+        </a:effectRef>
+        <a:fontRef idx="minor">
+          <a:schemeClr val="lt1"/>
+        </a:fontRef>
+      </dsp:style>
+    </dsp:sp>
+    <dsp:sp modelId="{9ED1FA9B-C73D-47AA-A0F2-5258F95C3F59}">
+      <dsp:nvSpPr>
+        <dsp:cNvPr id="0" name=""/>
+        <dsp:cNvSpPr/>
+      </dsp:nvSpPr>
+      <dsp:spPr>
+        <a:xfrm>
+          <a:off x="1170" y="619056"/>
+          <a:ext cx="909304" cy="545582"/>
+        </a:xfrm>
+        <a:prstGeom prst="roundRect">
+          <a:avLst>
+            <a:gd name="adj" fmla="val 10000"/>
+          </a:avLst>
+        </a:prstGeom>
+        <a:gradFill rotWithShape="0">
+          <a:gsLst>
+            <a:gs pos="0">
+              <a:schemeClr val="accent6">
+                <a:hueOff val="0"/>
+                <a:satOff val="0"/>
+                <a:lumOff val="0"/>
+                <a:alphaOff val="0"/>
+                <a:tint val="98000"/>
+                <a:shade val="25000"/>
+                <a:satMod val="250000"/>
+              </a:schemeClr>
+            </a:gs>
+            <a:gs pos="68000">
+              <a:schemeClr val="accent6">
+                <a:hueOff val="0"/>
+                <a:satOff val="0"/>
+                <a:lumOff val="0"/>
+                <a:alphaOff val="0"/>
+                <a:tint val="86000"/>
+                <a:satMod val="115000"/>
+              </a:schemeClr>
+            </a:gs>
+            <a:gs pos="100000">
+              <a:schemeClr val="accent6">
+                <a:hueOff val="0"/>
+                <a:satOff val="0"/>
+                <a:lumOff val="0"/>
+                <a:alphaOff val="0"/>
+                <a:tint val="50000"/>
+                <a:satMod val="150000"/>
+              </a:schemeClr>
+            </a:gs>
+          </a:gsLst>
+          <a:path path="circle">
+            <a:fillToRect l="50000" t="130000" r="50000" b="-30000"/>
+          </a:path>
+        </a:gradFill>
+        <a:ln>
+          <a:noFill/>
+        </a:ln>
+        <a:effectLst>
+          <a:outerShdw blurRad="57150" dist="38100" dir="5400000" algn="ctr" rotWithShape="0">
+            <a:schemeClr val="accent6">
+              <a:hueOff val="0"/>
+              <a:satOff val="0"/>
+              <a:lumOff val="0"/>
+              <a:alphaOff val="0"/>
+              <a:shade val="9000"/>
+              <a:satMod val="105000"/>
+              <a:alpha val="48000"/>
+            </a:schemeClr>
+          </a:outerShdw>
+        </a:effectLst>
+        <a:scene3d>
+          <a:camera prst="orthographicFront" fov="0">
+            <a:rot lat="0" lon="0" rev="0"/>
+          </a:camera>
+          <a:lightRig rig="glow" dir="tl">
+            <a:rot lat="0" lon="0" rev="900000"/>
+          </a:lightRig>
+        </a:scene3d>
+        <a:sp3d prstMaterial="powder">
+          <a:bevelT w="25400" h="38100"/>
+        </a:sp3d>
+      </dsp:spPr>
+      <dsp:style>
+        <a:lnRef idx="0">
+          <a:scrgbClr r="0" g="0" b="0"/>
+        </a:lnRef>
+        <a:fillRef idx="3">
+          <a:scrgbClr r="0" g="0" b="0"/>
+        </a:fillRef>
+        <a:effectRef idx="3">
+          <a:scrgbClr r="0" g="0" b="0"/>
+        </a:effectRef>
+        <a:fontRef idx="minor">
+          <a:schemeClr val="lt1"/>
+        </a:fontRef>
+      </dsp:style>
+      <dsp:txBody>
+        <a:bodyPr spcFirstLastPara="0" vert="horz" wrap="square" lIns="53340" tIns="53340" rIns="53340" bIns="53340" numCol="1" spcCol="1270" anchor="ctr" anchorCtr="0">
+          <a:noAutofit/>
+        </a:bodyPr>
+        <a:lstStyle/>
+        <a:p>
+          <a:pPr lvl="0" algn="ctr" defTabSz="622300">
+            <a:lnSpc>
+              <a:spcPct val="90000"/>
+            </a:lnSpc>
+            <a:spcBef>
+              <a:spcPct val="0"/>
+            </a:spcBef>
+            <a:spcAft>
+              <a:spcPct val="35000"/>
+            </a:spcAft>
+          </a:pPr>
+          <a:r>
+            <a:rPr lang="en-US" sz="1400" b="0" kern="1200" dirty="0">
+              <a:latin typeface="+mn-lt"/>
+              <a:ea typeface="+mn-ea"/>
+              <a:cs typeface="+mn-cs"/>
+            </a:rPr>
+            <a:t>AWS</a:t>
+          </a:r>
+        </a:p>
+      </dsp:txBody>
+      <dsp:txXfrm>
+        <a:off x="17150" y="635036"/>
+        <a:ext cx="877344" cy="513622"/>
+      </dsp:txXfrm>
+    </dsp:sp>
+    <dsp:sp modelId="{1FA15BE1-72B3-4EF3-928C-2BCA6FFF5FDB}">
+      <dsp:nvSpPr>
+        <dsp:cNvPr id="0" name=""/>
+        <dsp:cNvSpPr/>
+      </dsp:nvSpPr>
+      <dsp:spPr>
+        <a:xfrm>
+          <a:off x="198464" y="1399682"/>
+          <a:ext cx="1193941" cy="81837"/>
+        </a:xfrm>
+        <a:prstGeom prst="rect">
+          <a:avLst/>
+        </a:prstGeom>
+        <a:gradFill rotWithShape="0">
+          <a:gsLst>
+            <a:gs pos="0">
+              <a:schemeClr val="accent6">
+                <a:tint val="60000"/>
+                <a:hueOff val="0"/>
+                <a:satOff val="0"/>
+                <a:lumOff val="0"/>
+                <a:alphaOff val="0"/>
+                <a:tint val="98000"/>
+                <a:shade val="25000"/>
+                <a:satMod val="250000"/>
+              </a:schemeClr>
+            </a:gs>
+            <a:gs pos="68000">
+              <a:schemeClr val="accent6">
+                <a:tint val="60000"/>
+                <a:hueOff val="0"/>
+                <a:satOff val="0"/>
+                <a:lumOff val="0"/>
+                <a:alphaOff val="0"/>
+                <a:tint val="86000"/>
+                <a:satMod val="115000"/>
+              </a:schemeClr>
+            </a:gs>
+            <a:gs pos="100000">
+              <a:schemeClr val="accent6">
+                <a:tint val="60000"/>
+                <a:hueOff val="0"/>
+                <a:satOff val="0"/>
+                <a:lumOff val="0"/>
+                <a:alphaOff val="0"/>
+                <a:tint val="50000"/>
+                <a:satMod val="150000"/>
+              </a:schemeClr>
+            </a:gs>
+          </a:gsLst>
+          <a:path path="circle">
+            <a:fillToRect l="50000" t="130000" r="50000" b="-30000"/>
+          </a:path>
+        </a:gradFill>
+        <a:ln>
+          <a:noFill/>
+        </a:ln>
+        <a:effectLst>
+          <a:outerShdw blurRad="57150" dist="38100" dir="5400000" algn="ctr" rotWithShape="0">
+            <a:schemeClr val="accent6">
+              <a:tint val="60000"/>
+              <a:hueOff val="0"/>
+              <a:satOff val="0"/>
+              <a:lumOff val="0"/>
+              <a:alphaOff val="0"/>
+              <a:shade val="9000"/>
+              <a:satMod val="105000"/>
+              <a:alpha val="48000"/>
+            </a:schemeClr>
+          </a:outerShdw>
+        </a:effectLst>
+        <a:scene3d>
+          <a:camera prst="orthographicFront" fov="0">
+            <a:rot lat="0" lon="0" rev="0"/>
+          </a:camera>
+          <a:lightRig rig="glow" dir="tl">
+            <a:rot lat="0" lon="0" rev="900000"/>
+          </a:lightRig>
+        </a:scene3d>
+        <a:sp3d prstMaterial="powder">
+          <a:bevelT w="25400" h="38100"/>
+        </a:sp3d>
+      </dsp:spPr>
+      <dsp:style>
+        <a:lnRef idx="0">
+          <a:scrgbClr r="0" g="0" b="0"/>
+        </a:lnRef>
+        <a:fillRef idx="3">
+          <a:scrgbClr r="0" g="0" b="0"/>
+        </a:fillRef>
+        <a:effectRef idx="3">
+          <a:scrgbClr r="0" g="0" b="0"/>
+        </a:effectRef>
+        <a:fontRef idx="minor">
+          <a:schemeClr val="lt1"/>
+        </a:fontRef>
+      </dsp:style>
+    </dsp:sp>
+    <dsp:sp modelId="{B5DADE8B-BB88-4AA2-9747-FE11602B06DD}">
+      <dsp:nvSpPr>
+        <dsp:cNvPr id="0" name=""/>
+        <dsp:cNvSpPr/>
+      </dsp:nvSpPr>
+      <dsp:spPr>
+        <a:xfrm>
+          <a:off x="1170" y="1301035"/>
+          <a:ext cx="909304" cy="545582"/>
+        </a:xfrm>
+        <a:prstGeom prst="roundRect">
+          <a:avLst>
+            <a:gd name="adj" fmla="val 10000"/>
+          </a:avLst>
+        </a:prstGeom>
+        <a:gradFill rotWithShape="0">
+          <a:gsLst>
+            <a:gs pos="0">
+              <a:schemeClr val="accent6">
+                <a:hueOff val="0"/>
+                <a:satOff val="0"/>
+                <a:lumOff val="0"/>
+                <a:alphaOff val="0"/>
+                <a:tint val="98000"/>
+                <a:shade val="25000"/>
+                <a:satMod val="250000"/>
+              </a:schemeClr>
+            </a:gs>
+            <a:gs pos="68000">
+              <a:schemeClr val="accent6">
+                <a:hueOff val="0"/>
+                <a:satOff val="0"/>
+                <a:lumOff val="0"/>
+                <a:alphaOff val="0"/>
+                <a:tint val="86000"/>
+                <a:satMod val="115000"/>
+              </a:schemeClr>
+            </a:gs>
+            <a:gs pos="100000">
+              <a:schemeClr val="accent6">
+                <a:hueOff val="0"/>
+                <a:satOff val="0"/>
+                <a:lumOff val="0"/>
+                <a:alphaOff val="0"/>
+                <a:tint val="50000"/>
+                <a:satMod val="150000"/>
+              </a:schemeClr>
+            </a:gs>
+          </a:gsLst>
+          <a:path path="circle">
+            <a:fillToRect l="50000" t="130000" r="50000" b="-30000"/>
+          </a:path>
+        </a:gradFill>
+        <a:ln>
+          <a:noFill/>
+        </a:ln>
+        <a:effectLst>
+          <a:outerShdw blurRad="57150" dist="38100" dir="5400000" algn="ctr" rotWithShape="0">
+            <a:schemeClr val="accent6">
+              <a:hueOff val="0"/>
+              <a:satOff val="0"/>
+              <a:lumOff val="0"/>
+              <a:alphaOff val="0"/>
+              <a:shade val="9000"/>
+              <a:satMod val="105000"/>
+              <a:alpha val="48000"/>
+            </a:schemeClr>
+          </a:outerShdw>
+        </a:effectLst>
+        <a:scene3d>
+          <a:camera prst="orthographicFront" fov="0">
+            <a:rot lat="0" lon="0" rev="0"/>
+          </a:camera>
+          <a:lightRig rig="glow" dir="tl">
+            <a:rot lat="0" lon="0" rev="900000"/>
+          </a:lightRig>
+        </a:scene3d>
+        <a:sp3d prstMaterial="powder">
+          <a:bevelT w="25400" h="38100"/>
+        </a:sp3d>
+      </dsp:spPr>
+      <dsp:style>
+        <a:lnRef idx="0">
+          <a:scrgbClr r="0" g="0" b="0"/>
+        </a:lnRef>
+        <a:fillRef idx="3">
+          <a:scrgbClr r="0" g="0" b="0"/>
+        </a:fillRef>
+        <a:effectRef idx="3">
+          <a:scrgbClr r="0" g="0" b="0"/>
+        </a:effectRef>
+        <a:fontRef idx="minor">
+          <a:schemeClr val="lt1"/>
+        </a:fontRef>
+      </dsp:style>
+      <dsp:txBody>
+        <a:bodyPr spcFirstLastPara="0" vert="horz" wrap="square" lIns="53340" tIns="53340" rIns="53340" bIns="53340" numCol="1" spcCol="1270" anchor="ctr" anchorCtr="0">
+          <a:noAutofit/>
+        </a:bodyPr>
+        <a:lstStyle/>
+        <a:p>
+          <a:pPr lvl="0" algn="ctr" defTabSz="622300">
+            <a:lnSpc>
+              <a:spcPct val="90000"/>
+            </a:lnSpc>
+            <a:spcBef>
+              <a:spcPct val="0"/>
+            </a:spcBef>
+            <a:spcAft>
+              <a:spcPct val="35000"/>
+            </a:spcAft>
+          </a:pPr>
+          <a:r>
+            <a:rPr lang="en-US" sz="1400" b="0" kern="1200">
+              <a:latin typeface="+mn-lt"/>
+              <a:ea typeface="+mn-ea"/>
+              <a:cs typeface="+mn-cs"/>
+            </a:rPr>
+            <a:t>IoT</a:t>
+          </a:r>
+        </a:p>
+      </dsp:txBody>
+      <dsp:txXfrm>
+        <a:off x="17150" y="1317015"/>
+        <a:ext cx="877344" cy="513622"/>
+      </dsp:txXfrm>
+    </dsp:sp>
+    <dsp:sp modelId="{288CA2B3-B178-4EC0-8AC4-736EF4503939}">
+      <dsp:nvSpPr>
+        <dsp:cNvPr id="0" name=""/>
+        <dsp:cNvSpPr/>
+      </dsp:nvSpPr>
+      <dsp:spPr>
+        <a:xfrm>
+          <a:off x="1210545" y="1301035"/>
+          <a:ext cx="909304" cy="545582"/>
+        </a:xfrm>
+        <a:prstGeom prst="roundRect">
+          <a:avLst>
+            <a:gd name="adj" fmla="val 10000"/>
+          </a:avLst>
+        </a:prstGeom>
+        <a:gradFill rotWithShape="0">
+          <a:gsLst>
+            <a:gs pos="0">
+              <a:schemeClr val="accent6">
+                <a:hueOff val="0"/>
+                <a:satOff val="0"/>
+                <a:lumOff val="0"/>
+                <a:alphaOff val="0"/>
+                <a:tint val="98000"/>
+                <a:shade val="25000"/>
+                <a:satMod val="250000"/>
+              </a:schemeClr>
+            </a:gs>
+            <a:gs pos="68000">
+              <a:schemeClr val="accent6">
+                <a:hueOff val="0"/>
+                <a:satOff val="0"/>
+                <a:lumOff val="0"/>
+                <a:alphaOff val="0"/>
+                <a:tint val="86000"/>
+                <a:satMod val="115000"/>
+              </a:schemeClr>
+            </a:gs>
+            <a:gs pos="100000">
+              <a:schemeClr val="accent6">
+                <a:hueOff val="0"/>
+                <a:satOff val="0"/>
+                <a:lumOff val="0"/>
+                <a:alphaOff val="0"/>
+                <a:tint val="50000"/>
+                <a:satMod val="150000"/>
+              </a:schemeClr>
+            </a:gs>
+          </a:gsLst>
+          <a:path path="circle">
+            <a:fillToRect l="50000" t="130000" r="50000" b="-30000"/>
+          </a:path>
+        </a:gradFill>
+        <a:ln>
+          <a:noFill/>
+        </a:ln>
+        <a:effectLst>
+          <a:outerShdw blurRad="57150" dist="38100" dir="5400000" algn="ctr" rotWithShape="0">
+            <a:schemeClr val="accent6">
+              <a:hueOff val="0"/>
+              <a:satOff val="0"/>
+              <a:lumOff val="0"/>
+              <a:alphaOff val="0"/>
+              <a:shade val="9000"/>
+              <a:satMod val="105000"/>
+              <a:alpha val="48000"/>
+            </a:schemeClr>
+          </a:outerShdw>
+        </a:effectLst>
+        <a:scene3d>
+          <a:camera prst="orthographicFront" fov="0">
+            <a:rot lat="0" lon="0" rev="0"/>
+          </a:camera>
+          <a:lightRig rig="glow" dir="tl">
+            <a:rot lat="0" lon="0" rev="900000"/>
+          </a:lightRig>
+        </a:scene3d>
+        <a:sp3d prstMaterial="powder">
+          <a:bevelT w="25400" h="38100"/>
+        </a:sp3d>
+      </dsp:spPr>
+      <dsp:style>
+        <a:lnRef idx="0">
+          <a:scrgbClr r="0" g="0" b="0"/>
+        </a:lnRef>
+        <a:fillRef idx="3">
+          <a:scrgbClr r="0" g="0" b="0"/>
+        </a:fillRef>
+        <a:effectRef idx="3">
+          <a:scrgbClr r="0" g="0" b="0"/>
+        </a:effectRef>
+        <a:fontRef idx="minor">
+          <a:schemeClr val="lt1"/>
+        </a:fontRef>
+      </dsp:style>
+      <dsp:txBody>
+        <a:bodyPr spcFirstLastPara="0" vert="horz" wrap="square" lIns="53340" tIns="53340" rIns="53340" bIns="53340" numCol="1" spcCol="1270" anchor="ctr" anchorCtr="0">
+          <a:noAutofit/>
+        </a:bodyPr>
+        <a:lstStyle/>
+        <a:p>
+          <a:pPr lvl="0" algn="ctr" defTabSz="622300">
+            <a:lnSpc>
+              <a:spcPct val="90000"/>
+            </a:lnSpc>
+            <a:spcBef>
+              <a:spcPct val="0"/>
+            </a:spcBef>
+            <a:spcAft>
+              <a:spcPct val="35000"/>
+            </a:spcAft>
+          </a:pPr>
+          <a:r>
+            <a:rPr lang="en-US" sz="1400" b="0" kern="1200" dirty="0">
+              <a:latin typeface="+mn-lt"/>
+              <a:ea typeface="+mn-ea"/>
+              <a:cs typeface="+mn-cs"/>
+            </a:rPr>
+            <a:t>Network Security</a:t>
+          </a:r>
+        </a:p>
+      </dsp:txBody>
+      <dsp:txXfrm>
+        <a:off x="1226525" y="1317015"/>
+        <a:ext cx="877344" cy="513622"/>
+      </dsp:txXfrm>
+    </dsp:sp>
   </dsp:spTree>
 </dsp:drawing>
 </file>
@@ -4617,7 +5196,7 @@
           <p:cNvPr id="3" name="Group 2">
             <a:extLst>
               <a:ext uri="{FF2B5EF4-FFF2-40B4-BE49-F238E27FC236}">
-                <a16:creationId xmlns:a16="http://schemas.microsoft.com/office/drawing/2014/main" xmlns="" id="{569A71A3-950D-4899-B79B-35F2758BD331}"/>
+                <a16:creationId xmlns="" xmlns:a16="http://schemas.microsoft.com/office/drawing/2014/main" id="{569A71A3-950D-4899-B79B-35F2758BD331}"/>
               </a:ext>
             </a:extLst>
           </p:cNvPr>
@@ -4637,7 +5216,7 @@
             <p:cNvPr id="33" name="Flowchart: Delay 24">
               <a:extLst>
                 <a:ext uri="{FF2B5EF4-FFF2-40B4-BE49-F238E27FC236}">
-                  <a16:creationId xmlns:a16="http://schemas.microsoft.com/office/drawing/2014/main" xmlns="" id="{928187B2-0394-40AE-9F9C-6682AC71596C}"/>
+                  <a16:creationId xmlns="" xmlns:a16="http://schemas.microsoft.com/office/drawing/2014/main" id="{928187B2-0394-40AE-9F9C-6682AC71596C}"/>
                 </a:ext>
               </a:extLst>
             </p:cNvPr>
@@ -4795,7 +5374,7 @@
             <p:cNvPr id="25" name="Flowchart: Delay 24">
               <a:extLst>
                 <a:ext uri="{FF2B5EF4-FFF2-40B4-BE49-F238E27FC236}">
-                  <a16:creationId xmlns:a16="http://schemas.microsoft.com/office/drawing/2014/main" xmlns="" id="{355D9AC9-E7B7-459E-925B-0047C675B750}"/>
+                  <a16:creationId xmlns="" xmlns:a16="http://schemas.microsoft.com/office/drawing/2014/main" id="{355D9AC9-E7B7-459E-925B-0047C675B750}"/>
                 </a:ext>
               </a:extLst>
             </p:cNvPr>
@@ -4953,7 +5532,7 @@
             <p:cNvPr id="15" name="Rectangle 14">
               <a:extLst>
                 <a:ext uri="{FF2B5EF4-FFF2-40B4-BE49-F238E27FC236}">
-                  <a16:creationId xmlns:a16="http://schemas.microsoft.com/office/drawing/2014/main" xmlns="" id="{5302FB5C-BDE1-4891-8E91-CB3F868629BB}"/>
+                  <a16:creationId xmlns="" xmlns:a16="http://schemas.microsoft.com/office/drawing/2014/main" id="{5302FB5C-BDE1-4891-8E91-CB3F868629BB}"/>
                 </a:ext>
               </a:extLst>
             </p:cNvPr>
@@ -5014,7 +5593,7 @@
             <p:cNvPr id="11" name="Rectangle 10">
               <a:extLst>
                 <a:ext uri="{FF2B5EF4-FFF2-40B4-BE49-F238E27FC236}">
-                  <a16:creationId xmlns:a16="http://schemas.microsoft.com/office/drawing/2014/main" xmlns="" id="{D09DE4F0-7E7E-4423-A407-CD6485ACBB4F}"/>
+                  <a16:creationId xmlns="" xmlns:a16="http://schemas.microsoft.com/office/drawing/2014/main" id="{D09DE4F0-7E7E-4423-A407-CD6485ACBB4F}"/>
                 </a:ext>
               </a:extLst>
             </p:cNvPr>
@@ -5075,7 +5654,7 @@
             <p:cNvPr id="28" name="Rectangle 27">
               <a:extLst>
                 <a:ext uri="{FF2B5EF4-FFF2-40B4-BE49-F238E27FC236}">
-                  <a16:creationId xmlns:a16="http://schemas.microsoft.com/office/drawing/2014/main" xmlns="" id="{4ED74833-8EE3-4FA9-B6D2-03710E410482}"/>
+                  <a16:creationId xmlns="" xmlns:a16="http://schemas.microsoft.com/office/drawing/2014/main" id="{4ED74833-8EE3-4FA9-B6D2-03710E410482}"/>
                 </a:ext>
               </a:extLst>
             </p:cNvPr>
@@ -5136,7 +5715,7 @@
             <p:cNvPr id="37" name="Rectangle 36">
               <a:extLst>
                 <a:ext uri="{FF2B5EF4-FFF2-40B4-BE49-F238E27FC236}">
-                  <a16:creationId xmlns:a16="http://schemas.microsoft.com/office/drawing/2014/main" xmlns="" id="{94005B59-B78D-469E-BAA4-E7B2A61E103D}"/>
+                  <a16:creationId xmlns="" xmlns:a16="http://schemas.microsoft.com/office/drawing/2014/main" id="{94005B59-B78D-469E-BAA4-E7B2A61E103D}"/>
                 </a:ext>
               </a:extLst>
             </p:cNvPr>
@@ -5200,7 +5779,7 @@
             <p:cNvPr id="64" name="Rectangle 63">
               <a:extLst>
                 <a:ext uri="{FF2B5EF4-FFF2-40B4-BE49-F238E27FC236}">
-                  <a16:creationId xmlns:a16="http://schemas.microsoft.com/office/drawing/2014/main" xmlns="" id="{40BE4BEF-834D-4D0F-8E96-F1F8E6600C46}"/>
+                  <a16:creationId xmlns="" xmlns:a16="http://schemas.microsoft.com/office/drawing/2014/main" id="{40BE4BEF-834D-4D0F-8E96-F1F8E6600C46}"/>
                 </a:ext>
               </a:extLst>
             </p:cNvPr>
@@ -5262,7 +5841,7 @@
           <p:cNvPr id="2" name="Title 1">
             <a:extLst>
               <a:ext uri="{FF2B5EF4-FFF2-40B4-BE49-F238E27FC236}">
-                <a16:creationId xmlns:a16="http://schemas.microsoft.com/office/drawing/2014/main" xmlns="" id="{1A4D6C00-E83E-4187-903F-A0A515BA93F6}"/>
+                <a16:creationId xmlns="" xmlns:a16="http://schemas.microsoft.com/office/drawing/2014/main" id="{1A4D6C00-E83E-4187-903F-A0A515BA93F6}"/>
               </a:ext>
             </a:extLst>
           </p:cNvPr>
@@ -5314,7 +5893,7 @@
           <p:cNvPr id="8" name="Text Placeholder 7">
             <a:extLst>
               <a:ext uri="{FF2B5EF4-FFF2-40B4-BE49-F238E27FC236}">
-                <a16:creationId xmlns:a16="http://schemas.microsoft.com/office/drawing/2014/main" xmlns="" id="{00F0DE95-4ED7-482F-BB4E-C1238B352DAD}"/>
+                <a16:creationId xmlns="" xmlns:a16="http://schemas.microsoft.com/office/drawing/2014/main" id="{00F0DE95-4ED7-482F-BB4E-C1238B352DAD}"/>
               </a:ext>
             </a:extLst>
           </p:cNvPr>
@@ -5376,7 +5955,7 @@
           <p:cNvPr id="9" name="Text Placeholder 7">
             <a:extLst>
               <a:ext uri="{FF2B5EF4-FFF2-40B4-BE49-F238E27FC236}">
-                <a16:creationId xmlns:a16="http://schemas.microsoft.com/office/drawing/2014/main" xmlns="" id="{1F135EA3-D982-467F-B90A-B791DFDDA877}"/>
+                <a16:creationId xmlns="" xmlns:a16="http://schemas.microsoft.com/office/drawing/2014/main" id="{1F135EA3-D982-467F-B90A-B791DFDDA877}"/>
               </a:ext>
             </a:extLst>
           </p:cNvPr>
@@ -5438,7 +6017,7 @@
           <p:cNvPr id="106" name="Picture Placeholder 104">
             <a:extLst>
               <a:ext uri="{FF2B5EF4-FFF2-40B4-BE49-F238E27FC236}">
-                <a16:creationId xmlns:a16="http://schemas.microsoft.com/office/drawing/2014/main" xmlns="" id="{4580320F-7723-4672-AB19-22C87ECD53D3}"/>
+                <a16:creationId xmlns="" xmlns:a16="http://schemas.microsoft.com/office/drawing/2014/main" id="{4580320F-7723-4672-AB19-22C87ECD53D3}"/>
               </a:ext>
             </a:extLst>
           </p:cNvPr>
@@ -5484,7 +6063,7 @@
           <p:cNvPr id="108" name="Text Placeholder 42">
             <a:extLst>
               <a:ext uri="{FF2B5EF4-FFF2-40B4-BE49-F238E27FC236}">
-                <a16:creationId xmlns:a16="http://schemas.microsoft.com/office/drawing/2014/main" xmlns="" id="{F6CA33C8-1786-4D07-8C52-AE1469894B67}"/>
+                <a16:creationId xmlns="" xmlns:a16="http://schemas.microsoft.com/office/drawing/2014/main" id="{F6CA33C8-1786-4D07-8C52-AE1469894B67}"/>
               </a:ext>
             </a:extLst>
           </p:cNvPr>
@@ -5544,7 +6123,7 @@
           <p:cNvPr id="44" name="Text Placeholder 42">
             <a:extLst>
               <a:ext uri="{FF2B5EF4-FFF2-40B4-BE49-F238E27FC236}">
-                <a16:creationId xmlns:a16="http://schemas.microsoft.com/office/drawing/2014/main" xmlns="" id="{62E3BBD0-72BD-45D7-BE15-8B93AFB86258}"/>
+                <a16:creationId xmlns="" xmlns:a16="http://schemas.microsoft.com/office/drawing/2014/main" id="{62E3BBD0-72BD-45D7-BE15-8B93AFB86258}"/>
               </a:ext>
             </a:extLst>
           </p:cNvPr>
@@ -5602,7 +6181,7 @@
           <p:cNvPr id="80" name="Text Placeholder 7">
             <a:extLst>
               <a:ext uri="{FF2B5EF4-FFF2-40B4-BE49-F238E27FC236}">
-                <a16:creationId xmlns:a16="http://schemas.microsoft.com/office/drawing/2014/main" xmlns="" id="{C695E72E-773D-407A-AFA4-EF90ADF9D131}"/>
+                <a16:creationId xmlns="" xmlns:a16="http://schemas.microsoft.com/office/drawing/2014/main" id="{C695E72E-773D-407A-AFA4-EF90ADF9D131}"/>
               </a:ext>
             </a:extLst>
           </p:cNvPr>
@@ -5665,7 +6244,7 @@
           <p:cNvPr id="81" name="Text Placeholder 7">
             <a:extLst>
               <a:ext uri="{FF2B5EF4-FFF2-40B4-BE49-F238E27FC236}">
-                <a16:creationId xmlns:a16="http://schemas.microsoft.com/office/drawing/2014/main" xmlns="" id="{7463FB1C-AFEB-4EAE-B84D-A1613AF5BA7C}"/>
+                <a16:creationId xmlns="" xmlns:a16="http://schemas.microsoft.com/office/drawing/2014/main" id="{7463FB1C-AFEB-4EAE-B84D-A1613AF5BA7C}"/>
               </a:ext>
             </a:extLst>
           </p:cNvPr>
@@ -5727,7 +6306,7 @@
           <p:cNvPr id="50" name="Text Placeholder 42">
             <a:extLst>
               <a:ext uri="{FF2B5EF4-FFF2-40B4-BE49-F238E27FC236}">
-                <a16:creationId xmlns:a16="http://schemas.microsoft.com/office/drawing/2014/main" xmlns="" id="{12DFAD2F-3ED1-46BF-B662-2E96A42C48E7}"/>
+                <a16:creationId xmlns="" xmlns:a16="http://schemas.microsoft.com/office/drawing/2014/main" id="{12DFAD2F-3ED1-46BF-B662-2E96A42C48E7}"/>
               </a:ext>
             </a:extLst>
           </p:cNvPr>
@@ -5790,7 +6369,7 @@
           <p:cNvPr id="82" name="Text Placeholder 7">
             <a:extLst>
               <a:ext uri="{FF2B5EF4-FFF2-40B4-BE49-F238E27FC236}">
-                <a16:creationId xmlns:a16="http://schemas.microsoft.com/office/drawing/2014/main" xmlns="" id="{622FB247-DB8F-4B67-B9EA-5741E1DDBEEE}"/>
+                <a16:creationId xmlns="" xmlns:a16="http://schemas.microsoft.com/office/drawing/2014/main" id="{622FB247-DB8F-4B67-B9EA-5741E1DDBEEE}"/>
               </a:ext>
             </a:extLst>
           </p:cNvPr>
@@ -5853,7 +6432,7 @@
           <p:cNvPr id="83" name="Text Placeholder 7">
             <a:extLst>
               <a:ext uri="{FF2B5EF4-FFF2-40B4-BE49-F238E27FC236}">
-                <a16:creationId xmlns:a16="http://schemas.microsoft.com/office/drawing/2014/main" xmlns="" id="{CE2C8800-C93B-4E93-9AE2-9CBFC1E6D764}"/>
+                <a16:creationId xmlns="" xmlns:a16="http://schemas.microsoft.com/office/drawing/2014/main" id="{CE2C8800-C93B-4E93-9AE2-9CBFC1E6D764}"/>
               </a:ext>
             </a:extLst>
           </p:cNvPr>
@@ -5915,7 +6494,7 @@
           <p:cNvPr id="49" name="Text Placeholder 42">
             <a:extLst>
               <a:ext uri="{FF2B5EF4-FFF2-40B4-BE49-F238E27FC236}">
-                <a16:creationId xmlns:a16="http://schemas.microsoft.com/office/drawing/2014/main" xmlns="" id="{CC1B1148-CFC2-4FF7-8B7C-9502EB650064}"/>
+                <a16:creationId xmlns="" xmlns:a16="http://schemas.microsoft.com/office/drawing/2014/main" id="{CC1B1148-CFC2-4FF7-8B7C-9502EB650064}"/>
               </a:ext>
             </a:extLst>
           </p:cNvPr>
@@ -5976,7 +6555,7 @@
           <p:cNvPr id="84" name="Text Placeholder 7">
             <a:extLst>
               <a:ext uri="{FF2B5EF4-FFF2-40B4-BE49-F238E27FC236}">
-                <a16:creationId xmlns:a16="http://schemas.microsoft.com/office/drawing/2014/main" xmlns="" id="{60559160-7568-4A5B-88B4-DBB3C42D5D10}"/>
+                <a16:creationId xmlns="" xmlns:a16="http://schemas.microsoft.com/office/drawing/2014/main" id="{60559160-7568-4A5B-88B4-DBB3C42D5D10}"/>
               </a:ext>
             </a:extLst>
           </p:cNvPr>
@@ -6039,7 +6618,7 @@
           <p:cNvPr id="85" name="Text Placeholder 7">
             <a:extLst>
               <a:ext uri="{FF2B5EF4-FFF2-40B4-BE49-F238E27FC236}">
-                <a16:creationId xmlns:a16="http://schemas.microsoft.com/office/drawing/2014/main" xmlns="" id="{AED30C6D-348A-4701-A27D-F10DFC175AC0}"/>
+                <a16:creationId xmlns="" xmlns:a16="http://schemas.microsoft.com/office/drawing/2014/main" id="{AED30C6D-348A-4701-A27D-F10DFC175AC0}"/>
               </a:ext>
             </a:extLst>
           </p:cNvPr>
@@ -6101,7 +6680,7 @@
           <p:cNvPr id="46" name="Text Placeholder 42">
             <a:extLst>
               <a:ext uri="{FF2B5EF4-FFF2-40B4-BE49-F238E27FC236}">
-                <a16:creationId xmlns:a16="http://schemas.microsoft.com/office/drawing/2014/main" xmlns="" id="{DC934A70-FE40-4A89-9799-1A672346662A}"/>
+                <a16:creationId xmlns="" xmlns:a16="http://schemas.microsoft.com/office/drawing/2014/main" id="{DC934A70-FE40-4A89-9799-1A672346662A}"/>
               </a:ext>
             </a:extLst>
           </p:cNvPr>
@@ -6164,7 +6743,7 @@
           <p:cNvPr id="86" name="Text Placeholder 7">
             <a:extLst>
               <a:ext uri="{FF2B5EF4-FFF2-40B4-BE49-F238E27FC236}">
-                <a16:creationId xmlns:a16="http://schemas.microsoft.com/office/drawing/2014/main" xmlns="" id="{AB11D018-DEEE-4BCE-B5F0-2B33DD39A6B9}"/>
+                <a16:creationId xmlns="" xmlns:a16="http://schemas.microsoft.com/office/drawing/2014/main" id="{AB11D018-DEEE-4BCE-B5F0-2B33DD39A6B9}"/>
               </a:ext>
             </a:extLst>
           </p:cNvPr>
@@ -6227,7 +6806,7 @@
           <p:cNvPr id="87" name="Text Placeholder 7">
             <a:extLst>
               <a:ext uri="{FF2B5EF4-FFF2-40B4-BE49-F238E27FC236}">
-                <a16:creationId xmlns:a16="http://schemas.microsoft.com/office/drawing/2014/main" xmlns="" id="{085539ED-B933-484F-8ECB-700829A52CAB}"/>
+                <a16:creationId xmlns="" xmlns:a16="http://schemas.microsoft.com/office/drawing/2014/main" id="{085539ED-B933-484F-8ECB-700829A52CAB}"/>
               </a:ext>
             </a:extLst>
           </p:cNvPr>
@@ -6289,7 +6868,7 @@
           <p:cNvPr id="73" name="Text Placeholder 42">
             <a:extLst>
               <a:ext uri="{FF2B5EF4-FFF2-40B4-BE49-F238E27FC236}">
-                <a16:creationId xmlns:a16="http://schemas.microsoft.com/office/drawing/2014/main" xmlns="" id="{F3728A77-BAED-49CA-87A0-DFCB220B3A28}"/>
+                <a16:creationId xmlns="" xmlns:a16="http://schemas.microsoft.com/office/drawing/2014/main" id="{F3728A77-BAED-49CA-87A0-DFCB220B3A28}"/>
               </a:ext>
             </a:extLst>
           </p:cNvPr>
@@ -6349,7 +6928,7 @@
           <p:cNvPr id="57" name="Text Placeholder 42">
             <a:extLst>
               <a:ext uri="{FF2B5EF4-FFF2-40B4-BE49-F238E27FC236}">
-                <a16:creationId xmlns:a16="http://schemas.microsoft.com/office/drawing/2014/main" xmlns="" id="{D7526F27-FC58-40E7-A76A-47A27D23255B}"/>
+                <a16:creationId xmlns="" xmlns:a16="http://schemas.microsoft.com/office/drawing/2014/main" id="{D7526F27-FC58-40E7-A76A-47A27D23255B}"/>
               </a:ext>
             </a:extLst>
           </p:cNvPr>
@@ -6407,7 +6986,7 @@
           <p:cNvPr id="94" name="Text Placeholder 7">
             <a:extLst>
               <a:ext uri="{FF2B5EF4-FFF2-40B4-BE49-F238E27FC236}">
-                <a16:creationId xmlns:a16="http://schemas.microsoft.com/office/drawing/2014/main" xmlns="" id="{0D030018-A573-45D1-B6EF-210F3CF92D5F}"/>
+                <a16:creationId xmlns="" xmlns:a16="http://schemas.microsoft.com/office/drawing/2014/main" id="{0D030018-A573-45D1-B6EF-210F3CF92D5F}"/>
               </a:ext>
             </a:extLst>
           </p:cNvPr>
@@ -6470,7 +7049,7 @@
           <p:cNvPr id="95" name="Text Placeholder 7">
             <a:extLst>
               <a:ext uri="{FF2B5EF4-FFF2-40B4-BE49-F238E27FC236}">
-                <a16:creationId xmlns:a16="http://schemas.microsoft.com/office/drawing/2014/main" xmlns="" id="{91FC8372-90CA-42B7-A237-0BC81F2687CB}"/>
+                <a16:creationId xmlns="" xmlns:a16="http://schemas.microsoft.com/office/drawing/2014/main" id="{91FC8372-90CA-42B7-A237-0BC81F2687CB}"/>
               </a:ext>
             </a:extLst>
           </p:cNvPr>
@@ -6532,7 +7111,7 @@
           <p:cNvPr id="58" name="Text Placeholder 42">
             <a:extLst>
               <a:ext uri="{FF2B5EF4-FFF2-40B4-BE49-F238E27FC236}">
-                <a16:creationId xmlns:a16="http://schemas.microsoft.com/office/drawing/2014/main" xmlns="" id="{242D0BB2-4F17-4A8D-87A7-FADA2CAEC6F5}"/>
+                <a16:creationId xmlns="" xmlns:a16="http://schemas.microsoft.com/office/drawing/2014/main" id="{242D0BB2-4F17-4A8D-87A7-FADA2CAEC6F5}"/>
               </a:ext>
             </a:extLst>
           </p:cNvPr>
@@ -6595,7 +7174,7 @@
           <p:cNvPr id="90" name="Text Placeholder 7">
             <a:extLst>
               <a:ext uri="{FF2B5EF4-FFF2-40B4-BE49-F238E27FC236}">
-                <a16:creationId xmlns:a16="http://schemas.microsoft.com/office/drawing/2014/main" xmlns="" id="{7F7CC596-D7AD-4DCE-B864-BB1A6A7C8B15}"/>
+                <a16:creationId xmlns="" xmlns:a16="http://schemas.microsoft.com/office/drawing/2014/main" id="{7F7CC596-D7AD-4DCE-B864-BB1A6A7C8B15}"/>
               </a:ext>
             </a:extLst>
           </p:cNvPr>
@@ -6658,7 +7237,7 @@
           <p:cNvPr id="91" name="Text Placeholder 7">
             <a:extLst>
               <a:ext uri="{FF2B5EF4-FFF2-40B4-BE49-F238E27FC236}">
-                <a16:creationId xmlns:a16="http://schemas.microsoft.com/office/drawing/2014/main" xmlns="" id="{28E66912-ACE9-4007-9A2B-050DC9408A24}"/>
+                <a16:creationId xmlns="" xmlns:a16="http://schemas.microsoft.com/office/drawing/2014/main" id="{28E66912-ACE9-4007-9A2B-050DC9408A24}"/>
               </a:ext>
             </a:extLst>
           </p:cNvPr>
@@ -6720,7 +7299,7 @@
           <p:cNvPr id="59" name="Text Placeholder 42">
             <a:extLst>
               <a:ext uri="{FF2B5EF4-FFF2-40B4-BE49-F238E27FC236}">
-                <a16:creationId xmlns:a16="http://schemas.microsoft.com/office/drawing/2014/main" xmlns="" id="{CC1EC2BE-5D73-4D49-B2F2-4DA2785D6EAD}"/>
+                <a16:creationId xmlns="" xmlns:a16="http://schemas.microsoft.com/office/drawing/2014/main" id="{CC1EC2BE-5D73-4D49-B2F2-4DA2785D6EAD}"/>
               </a:ext>
             </a:extLst>
           </p:cNvPr>
@@ -6783,7 +7362,7 @@
           <p:cNvPr id="92" name="Text Placeholder 7">
             <a:extLst>
               <a:ext uri="{FF2B5EF4-FFF2-40B4-BE49-F238E27FC236}">
-                <a16:creationId xmlns:a16="http://schemas.microsoft.com/office/drawing/2014/main" xmlns="" id="{441FE3C4-7737-4EB6-9280-FAD8852FB4B8}"/>
+                <a16:creationId xmlns="" xmlns:a16="http://schemas.microsoft.com/office/drawing/2014/main" id="{441FE3C4-7737-4EB6-9280-FAD8852FB4B8}"/>
               </a:ext>
             </a:extLst>
           </p:cNvPr>
@@ -6846,7 +7425,7 @@
           <p:cNvPr id="93" name="Text Placeholder 7">
             <a:extLst>
               <a:ext uri="{FF2B5EF4-FFF2-40B4-BE49-F238E27FC236}">
-                <a16:creationId xmlns:a16="http://schemas.microsoft.com/office/drawing/2014/main" xmlns="" id="{70EF49EC-F8D8-463F-B786-F2C04C33AEE7}"/>
+                <a16:creationId xmlns="" xmlns:a16="http://schemas.microsoft.com/office/drawing/2014/main" id="{70EF49EC-F8D8-463F-B786-F2C04C33AEE7}"/>
               </a:ext>
             </a:extLst>
           </p:cNvPr>
@@ -6908,7 +7487,7 @@
           <p:cNvPr id="56" name="Text Placeholder 42">
             <a:extLst>
               <a:ext uri="{FF2B5EF4-FFF2-40B4-BE49-F238E27FC236}">
-                <a16:creationId xmlns:a16="http://schemas.microsoft.com/office/drawing/2014/main" xmlns="" id="{997AC0B1-99FC-455E-A896-3C370BB38C53}"/>
+                <a16:creationId xmlns="" xmlns:a16="http://schemas.microsoft.com/office/drawing/2014/main" id="{997AC0B1-99FC-455E-A896-3C370BB38C53}"/>
               </a:ext>
             </a:extLst>
           </p:cNvPr>
@@ -6969,7 +7548,7 @@
           <p:cNvPr id="88" name="Text Placeholder 7">
             <a:extLst>
               <a:ext uri="{FF2B5EF4-FFF2-40B4-BE49-F238E27FC236}">
-                <a16:creationId xmlns:a16="http://schemas.microsoft.com/office/drawing/2014/main" xmlns="" id="{D66EAED5-741C-44D6-840F-C90C1AF74A23}"/>
+                <a16:creationId xmlns="" xmlns:a16="http://schemas.microsoft.com/office/drawing/2014/main" id="{D66EAED5-741C-44D6-840F-C90C1AF74A23}"/>
               </a:ext>
             </a:extLst>
           </p:cNvPr>
@@ -7032,7 +7611,7 @@
           <p:cNvPr id="89" name="Text Placeholder 7">
             <a:extLst>
               <a:ext uri="{FF2B5EF4-FFF2-40B4-BE49-F238E27FC236}">
-                <a16:creationId xmlns:a16="http://schemas.microsoft.com/office/drawing/2014/main" xmlns="" id="{7887B0FE-2AB8-455F-8EC7-C8F31FEA27CC}"/>
+                <a16:creationId xmlns="" xmlns:a16="http://schemas.microsoft.com/office/drawing/2014/main" id="{7887B0FE-2AB8-455F-8EC7-C8F31FEA27CC}"/>
               </a:ext>
             </a:extLst>
           </p:cNvPr>
@@ -7094,7 +7673,7 @@
           <p:cNvPr id="75" name="Text Placeholder 42">
             <a:extLst>
               <a:ext uri="{FF2B5EF4-FFF2-40B4-BE49-F238E27FC236}">
-                <a16:creationId xmlns:a16="http://schemas.microsoft.com/office/drawing/2014/main" xmlns="" id="{6F1AC56E-6618-4728-A6EA-8B021EB6BCFB}"/>
+                <a16:creationId xmlns="" xmlns:a16="http://schemas.microsoft.com/office/drawing/2014/main" id="{6F1AC56E-6618-4728-A6EA-8B021EB6BCFB}"/>
               </a:ext>
             </a:extLst>
           </p:cNvPr>
@@ -7154,7 +7733,7 @@
           <p:cNvPr id="60" name="Text Placeholder 42">
             <a:extLst>
               <a:ext uri="{FF2B5EF4-FFF2-40B4-BE49-F238E27FC236}">
-                <a16:creationId xmlns:a16="http://schemas.microsoft.com/office/drawing/2014/main" xmlns="" id="{DB4C9C65-90B1-4A40-BB7B-DE799076D1B1}"/>
+                <a16:creationId xmlns="" xmlns:a16="http://schemas.microsoft.com/office/drawing/2014/main" id="{DB4C9C65-90B1-4A40-BB7B-DE799076D1B1}"/>
               </a:ext>
             </a:extLst>
           </p:cNvPr>
@@ -7212,7 +7791,7 @@
           <p:cNvPr id="96" name="Text Placeholder 7">
             <a:extLst>
               <a:ext uri="{FF2B5EF4-FFF2-40B4-BE49-F238E27FC236}">
-                <a16:creationId xmlns:a16="http://schemas.microsoft.com/office/drawing/2014/main" xmlns="" id="{E9ED50CB-058A-4C6B-A8E2-0536EC0E40DA}"/>
+                <a16:creationId xmlns="" xmlns:a16="http://schemas.microsoft.com/office/drawing/2014/main" id="{E9ED50CB-058A-4C6B-A8E2-0536EC0E40DA}"/>
               </a:ext>
             </a:extLst>
           </p:cNvPr>
@@ -7275,7 +7854,7 @@
           <p:cNvPr id="97" name="Text Placeholder 7">
             <a:extLst>
               <a:ext uri="{FF2B5EF4-FFF2-40B4-BE49-F238E27FC236}">
-                <a16:creationId xmlns:a16="http://schemas.microsoft.com/office/drawing/2014/main" xmlns="" id="{04D14365-5F59-4F4F-B237-26A11A2DDDD1}"/>
+                <a16:creationId xmlns="" xmlns:a16="http://schemas.microsoft.com/office/drawing/2014/main" id="{04D14365-5F59-4F4F-B237-26A11A2DDDD1}"/>
               </a:ext>
             </a:extLst>
           </p:cNvPr>
@@ -7337,7 +7916,7 @@
           <p:cNvPr id="63" name="Text Placeholder 42">
             <a:extLst>
               <a:ext uri="{FF2B5EF4-FFF2-40B4-BE49-F238E27FC236}">
-                <a16:creationId xmlns:a16="http://schemas.microsoft.com/office/drawing/2014/main" xmlns="" id="{CFA7DBCF-F797-4B29-8C96-7AC1602BBC81}"/>
+                <a16:creationId xmlns="" xmlns:a16="http://schemas.microsoft.com/office/drawing/2014/main" id="{CFA7DBCF-F797-4B29-8C96-7AC1602BBC81}"/>
               </a:ext>
             </a:extLst>
           </p:cNvPr>
@@ -7398,7 +7977,7 @@
           <p:cNvPr id="100" name="Text Placeholder 7">
             <a:extLst>
               <a:ext uri="{FF2B5EF4-FFF2-40B4-BE49-F238E27FC236}">
-                <a16:creationId xmlns:a16="http://schemas.microsoft.com/office/drawing/2014/main" xmlns="" id="{07524528-CBB1-40C1-A6F2-855A4D99478D}"/>
+                <a16:creationId xmlns="" xmlns:a16="http://schemas.microsoft.com/office/drawing/2014/main" id="{07524528-CBB1-40C1-A6F2-855A4D99478D}"/>
               </a:ext>
             </a:extLst>
           </p:cNvPr>
@@ -7461,7 +8040,7 @@
           <p:cNvPr id="101" name="Text Placeholder 7">
             <a:extLst>
               <a:ext uri="{FF2B5EF4-FFF2-40B4-BE49-F238E27FC236}">
-                <a16:creationId xmlns:a16="http://schemas.microsoft.com/office/drawing/2014/main" xmlns="" id="{41F799BD-659E-472B-98A7-7C06C2F7458C}"/>
+                <a16:creationId xmlns="" xmlns:a16="http://schemas.microsoft.com/office/drawing/2014/main" id="{41F799BD-659E-472B-98A7-7C06C2F7458C}"/>
               </a:ext>
             </a:extLst>
           </p:cNvPr>
@@ -7523,7 +8102,7 @@
           <p:cNvPr id="62" name="Text Placeholder 42">
             <a:extLst>
               <a:ext uri="{FF2B5EF4-FFF2-40B4-BE49-F238E27FC236}">
-                <a16:creationId xmlns:a16="http://schemas.microsoft.com/office/drawing/2014/main" xmlns="" id="{113ADCA9-C0A6-4FAB-A09E-4DECBD41D738}"/>
+                <a16:creationId xmlns="" xmlns:a16="http://schemas.microsoft.com/office/drawing/2014/main" id="{113ADCA9-C0A6-4FAB-A09E-4DECBD41D738}"/>
               </a:ext>
             </a:extLst>
           </p:cNvPr>
@@ -7584,7 +8163,7 @@
           <p:cNvPr id="98" name="Text Placeholder 7">
             <a:extLst>
               <a:ext uri="{FF2B5EF4-FFF2-40B4-BE49-F238E27FC236}">
-                <a16:creationId xmlns:a16="http://schemas.microsoft.com/office/drawing/2014/main" xmlns="" id="{3EC66011-3B65-49CC-8886-E2CCFBFFABD7}"/>
+                <a16:creationId xmlns="" xmlns:a16="http://schemas.microsoft.com/office/drawing/2014/main" id="{3EC66011-3B65-49CC-8886-E2CCFBFFABD7}"/>
               </a:ext>
             </a:extLst>
           </p:cNvPr>
@@ -7647,7 +8226,7 @@
           <p:cNvPr id="99" name="Text Placeholder 7">
             <a:extLst>
               <a:ext uri="{FF2B5EF4-FFF2-40B4-BE49-F238E27FC236}">
-                <a16:creationId xmlns:a16="http://schemas.microsoft.com/office/drawing/2014/main" xmlns="" id="{3B2B5959-E5CC-42A7-B797-463098BE6290}"/>
+                <a16:creationId xmlns="" xmlns:a16="http://schemas.microsoft.com/office/drawing/2014/main" id="{3B2B5959-E5CC-42A7-B797-463098BE6290}"/>
               </a:ext>
             </a:extLst>
           </p:cNvPr>
@@ -7709,7 +8288,7 @@
           <p:cNvPr id="61" name="Text Placeholder 42">
             <a:extLst>
               <a:ext uri="{FF2B5EF4-FFF2-40B4-BE49-F238E27FC236}">
-                <a16:creationId xmlns:a16="http://schemas.microsoft.com/office/drawing/2014/main" xmlns="" id="{91E8A179-36A3-4D0A-96E7-689F93F9B8F2}"/>
+                <a16:creationId xmlns="" xmlns:a16="http://schemas.microsoft.com/office/drawing/2014/main" id="{91E8A179-36A3-4D0A-96E7-689F93F9B8F2}"/>
               </a:ext>
             </a:extLst>
           </p:cNvPr>
@@ -7770,7 +8349,7 @@
           <p:cNvPr id="102" name="Text Placeholder 7">
             <a:extLst>
               <a:ext uri="{FF2B5EF4-FFF2-40B4-BE49-F238E27FC236}">
-                <a16:creationId xmlns:a16="http://schemas.microsoft.com/office/drawing/2014/main" xmlns="" id="{9FDC66A0-D1C5-4C83-BBEE-D079881FADA3}"/>
+                <a16:creationId xmlns="" xmlns:a16="http://schemas.microsoft.com/office/drawing/2014/main" id="{9FDC66A0-D1C5-4C83-BBEE-D079881FADA3}"/>
               </a:ext>
             </a:extLst>
           </p:cNvPr>
@@ -7833,7 +8412,7 @@
           <p:cNvPr id="103" name="Text Placeholder 7">
             <a:extLst>
               <a:ext uri="{FF2B5EF4-FFF2-40B4-BE49-F238E27FC236}">
-                <a16:creationId xmlns:a16="http://schemas.microsoft.com/office/drawing/2014/main" xmlns="" id="{E4E5E736-BFFC-4245-916F-586110128844}"/>
+                <a16:creationId xmlns="" xmlns:a16="http://schemas.microsoft.com/office/drawing/2014/main" id="{E4E5E736-BFFC-4245-916F-586110128844}"/>
               </a:ext>
             </a:extLst>
           </p:cNvPr>
@@ -7895,7 +8474,7 @@
           <p:cNvPr id="110" name="Text Placeholder 42">
             <a:extLst>
               <a:ext uri="{FF2B5EF4-FFF2-40B4-BE49-F238E27FC236}">
-                <a16:creationId xmlns:a16="http://schemas.microsoft.com/office/drawing/2014/main" xmlns="" id="{74922A2C-30D3-4ED0-8443-C57494EB4287}"/>
+                <a16:creationId xmlns="" xmlns:a16="http://schemas.microsoft.com/office/drawing/2014/main" id="{74922A2C-30D3-4ED0-8443-C57494EB4287}"/>
               </a:ext>
             </a:extLst>
           </p:cNvPr>
@@ -7955,7 +8534,7 @@
           <p:cNvPr id="5" name="Footer Placeholder 4">
             <a:extLst>
               <a:ext uri="{FF2B5EF4-FFF2-40B4-BE49-F238E27FC236}">
-                <a16:creationId xmlns:a16="http://schemas.microsoft.com/office/drawing/2014/main" xmlns="" id="{4953E081-530B-464A-B47C-C858A60EB2EA}"/>
+                <a16:creationId xmlns="" xmlns:a16="http://schemas.microsoft.com/office/drawing/2014/main" id="{4953E081-530B-464A-B47C-C858A60EB2EA}"/>
               </a:ext>
             </a:extLst>
           </p:cNvPr>
@@ -7984,7 +8563,7 @@
           <p:cNvPr id="4" name="Date Placeholder 3">
             <a:extLst>
               <a:ext uri="{FF2B5EF4-FFF2-40B4-BE49-F238E27FC236}">
-                <a16:creationId xmlns:a16="http://schemas.microsoft.com/office/drawing/2014/main" xmlns="" id="{7C0373A1-F9A6-4E7C-A04F-22454F3A60CF}"/>
+                <a16:creationId xmlns="" xmlns:a16="http://schemas.microsoft.com/office/drawing/2014/main" id="{7C0373A1-F9A6-4E7C-A04F-22454F3A60CF}"/>
               </a:ext>
             </a:extLst>
           </p:cNvPr>
@@ -8021,7 +8600,7 @@
           <p:cNvPr id="6" name="Slide Number Placeholder 5">
             <a:extLst>
               <a:ext uri="{FF2B5EF4-FFF2-40B4-BE49-F238E27FC236}">
-                <a16:creationId xmlns:a16="http://schemas.microsoft.com/office/drawing/2014/main" xmlns="" id="{B09BF57F-FEA7-4D09-AA29-F32AA5577A04}"/>
+                <a16:creationId xmlns="" xmlns:a16="http://schemas.microsoft.com/office/drawing/2014/main" id="{B09BF57F-FEA7-4D09-AA29-F32AA5577A04}"/>
               </a:ext>
             </a:extLst>
           </p:cNvPr>
@@ -53265,7 +53844,7 @@
         </p:blipFill>
         <p:spPr>
           <a:xfrm>
-            <a:off x="700087" y="1685008"/>
+            <a:off x="700087" y="1685007"/>
             <a:ext cx="7743825" cy="3133725"/>
           </a:xfrm>
         </p:spPr>
@@ -53292,8 +53871,68 @@
         </p:blipFill>
         <p:spPr>
           <a:xfrm>
-            <a:off x="5779265" y="1685008"/>
+            <a:off x="6410103" y="1632620"/>
             <a:ext cx="2819400" cy="1619250"/>
+          </a:xfrm>
+          <a:prstGeom prst="rect">
+            <a:avLst/>
+          </a:prstGeom>
+        </p:spPr>
+      </p:pic>
+      <p:pic>
+        <p:nvPicPr>
+          <p:cNvPr id="3" name="Picture 2"/>
+          <p:cNvPicPr>
+            <a:picLocks noChangeAspect="1"/>
+          </p:cNvPicPr>
+          <p:nvPr/>
+        </p:nvPicPr>
+        <p:blipFill>
+          <a:blip r:embed="rId4">
+            <a:extLst>
+              <a:ext uri="{28A0092B-C50C-407E-A947-70E740481C1C}">
+                <a14:useLocalDpi xmlns:a14="http://schemas.microsoft.com/office/drawing/2010/main" val="0"/>
+              </a:ext>
+            </a:extLst>
+          </a:blip>
+          <a:stretch>
+            <a:fillRect/>
+          </a:stretch>
+        </p:blipFill>
+        <p:spPr>
+          <a:xfrm>
+            <a:off x="269554" y="2497022"/>
+            <a:ext cx="2689403" cy="1786772"/>
+          </a:xfrm>
+          <a:prstGeom prst="rect">
+            <a:avLst/>
+          </a:prstGeom>
+        </p:spPr>
+      </p:pic>
+      <p:pic>
+        <p:nvPicPr>
+          <p:cNvPr id="6" name="Picture 5"/>
+          <p:cNvPicPr>
+            <a:picLocks noChangeAspect="1"/>
+          </p:cNvPicPr>
+          <p:nvPr/>
+        </p:nvPicPr>
+        <p:blipFill>
+          <a:blip r:embed="rId5">
+            <a:extLst>
+              <a:ext uri="{28A0092B-C50C-407E-A947-70E740481C1C}">
+                <a14:useLocalDpi xmlns:a14="http://schemas.microsoft.com/office/drawing/2010/main" val="0"/>
+              </a:ext>
+            </a:extLst>
+          </a:blip>
+          <a:stretch>
+            <a:fillRect/>
+          </a:stretch>
+        </p:blipFill>
+        <p:spPr>
+          <a:xfrm>
+            <a:off x="4182055" y="1551444"/>
+            <a:ext cx="2105728" cy="3133725"/>
           </a:xfrm>
           <a:prstGeom prst="rect">
             <a:avLst/>
@@ -53514,7 +54153,7 @@
           <a:lstStyle/>
           <a:p>
             <a:r>
-              <a:rPr lang="en-US" dirty="0" smtClean="0"/>
+              <a:rPr lang="en-US" sz="2400" b="1" dirty="0" smtClean="0"/>
               <a:t>Site to Site VPN</a:t>
             </a:r>
           </a:p>
@@ -53608,58 +54247,106 @@
         </p:nvSpPr>
         <p:spPr/>
         <p:txBody>
-          <a:bodyPr>
-            <a:normAutofit/>
-          </a:bodyPr>
-          <a:lstStyle/>
-          <a:p>
-            <a:r>
-              <a:rPr lang="en-US" sz="2400" dirty="0" err="1" smtClean="0">
-                <a:latin typeface="Times New Roman" panose="02020603050405020304" pitchFamily="18" charset="0"/>
-                <a:cs typeface="Times New Roman" panose="02020603050405020304" pitchFamily="18" charset="0"/>
-              </a:rPr>
-              <a:t>Cont</a:t>
-            </a:r>
-            <a:endParaRPr lang="en-US" sz="2400" dirty="0">
-              <a:latin typeface="Times New Roman" panose="02020603050405020304" pitchFamily="18" charset="0"/>
-              <a:cs typeface="Times New Roman" panose="02020603050405020304" pitchFamily="18" charset="0"/>
-            </a:endParaRPr>
-          </a:p>
-        </p:txBody>
-      </p:sp>
-      <p:pic>
-        <p:nvPicPr>
-          <p:cNvPr id="4" name="Content Placeholder 3"/>
-          <p:cNvPicPr>
-            <a:picLocks noGrp="1" noChangeAspect="1"/>
-          </p:cNvPicPr>
+          <a:bodyPr/>
+          <a:lstStyle/>
+          <a:p>
+            <a:endParaRPr lang="en-US" dirty="0"/>
+          </a:p>
+        </p:txBody>
+      </p:sp>
+      <p:sp>
+        <p:nvSpPr>
+          <p:cNvPr id="3" name="Content Placeholder 2"/>
+          <p:cNvSpPr>
+            <a:spLocks noGrp="1"/>
+          </p:cNvSpPr>
           <p:nvPr>
             <p:ph idx="1"/>
           </p:nvPr>
-        </p:nvPicPr>
-        <p:blipFill>
-          <a:blip r:embed="rId2">
-            <a:extLst>
-              <a:ext uri="{28A0092B-C50C-407E-A947-70E740481C1C}">
-                <a14:useLocalDpi xmlns:a14="http://schemas.microsoft.com/office/drawing/2010/main" val="0"/>
-              </a:ext>
-            </a:extLst>
-          </a:blip>
-          <a:stretch>
-            <a:fillRect/>
-          </a:stretch>
-        </p:blipFill>
-        <p:spPr>
-          <a:xfrm>
-            <a:off x="937854" y="1788468"/>
-            <a:ext cx="6523262" cy="2954982"/>
-          </a:xfrm>
-        </p:spPr>
-      </p:pic>
+        </p:nvSpPr>
+        <p:spPr/>
+        <p:txBody>
+          <a:bodyPr/>
+          <a:lstStyle/>
+          <a:p>
+            <a:r>
+              <a:rPr lang="en-US" dirty="0"/>
+              <a:t> Site-to-Site </a:t>
+            </a:r>
+            <a:r>
+              <a:rPr lang="en-US" dirty="0" err="1"/>
+              <a:t>IPSec</a:t>
+            </a:r>
+            <a:r>
+              <a:rPr lang="en-US" dirty="0"/>
+              <a:t> VPN Tunnels are used to allow the secure transmission of data, voice and video between two sites (</a:t>
+            </a:r>
+            <a:r>
+              <a:rPr lang="en-US" dirty="0" err="1"/>
+              <a:t>e.g</a:t>
+            </a:r>
+            <a:r>
+              <a:rPr lang="en-US" dirty="0"/>
+              <a:t> offices or branches</a:t>
+            </a:r>
+            <a:r>
+              <a:rPr lang="en-US" dirty="0" smtClean="0"/>
+              <a:t>).</a:t>
+            </a:r>
+          </a:p>
+          <a:p>
+            <a:pPr marL="0" indent="0">
+              <a:buNone/>
+            </a:pPr>
+            <a:r>
+              <a:rPr lang="en-US" dirty="0" smtClean="0"/>
+              <a:t> </a:t>
+            </a:r>
+          </a:p>
+          <a:p>
+            <a:r>
+              <a:rPr lang="en-US" dirty="0" smtClean="0"/>
+              <a:t>The </a:t>
+            </a:r>
+            <a:r>
+              <a:rPr lang="en-US" dirty="0"/>
+              <a:t>VPN tunnel is created over the Internet public network and encrypted using a number of advanced encryption algorithms to provide confidentiality of the data transmitted between the two </a:t>
+            </a:r>
+            <a:r>
+              <a:rPr lang="en-US" dirty="0" smtClean="0"/>
+              <a:t>sites.</a:t>
+            </a:r>
+          </a:p>
+          <a:p>
+            <a:endParaRPr lang="en-US" dirty="0" smtClean="0"/>
+          </a:p>
+          <a:p>
+            <a:r>
+              <a:rPr lang="en-US" dirty="0"/>
+              <a:t>These steps are:  (1) Configure ISAKMP (ISAKMP Phase 1)  (2) Configure </a:t>
+            </a:r>
+            <a:r>
+              <a:rPr lang="en-US" dirty="0" err="1"/>
+              <a:t>IPSec</a:t>
+            </a:r>
+            <a:r>
+              <a:rPr lang="en-US" dirty="0"/>
+              <a:t> (ISAKMP Phase 2, ACLs, Crypto MAP</a:t>
+            </a:r>
+            <a:r>
+              <a:rPr lang="en-US" dirty="0" smtClean="0"/>
+              <a:t>)</a:t>
+            </a:r>
+          </a:p>
+          <a:p>
+            <a:endParaRPr lang="en-US" dirty="0"/>
+          </a:p>
+        </p:txBody>
+      </p:sp>
     </p:spTree>
     <p:extLst>
       <p:ext uri="{BB962C8B-B14F-4D97-AF65-F5344CB8AC3E}">
-        <p14:creationId xmlns:p14="http://schemas.microsoft.com/office/powerpoint/2010/main" val="3016479093"/>
+        <p14:creationId xmlns:p14="http://schemas.microsoft.com/office/powerpoint/2010/main" val="2613612849"/>
       </p:ext>
     </p:extLst>
   </p:cSld>
@@ -53705,22 +54392,14 @@
         </p:nvSpPr>
         <p:spPr/>
         <p:txBody>
-          <a:bodyPr>
-            <a:normAutofit/>
-          </a:bodyPr>
-          <a:lstStyle/>
-          <a:p>
-            <a:r>
-              <a:rPr lang="en-US" sz="2400" dirty="0" smtClean="0">
-                <a:latin typeface="Times New Roman" panose="02020603050405020304" pitchFamily="18" charset="0"/>
-                <a:cs typeface="Times New Roman" panose="02020603050405020304" pitchFamily="18" charset="0"/>
-              </a:rPr>
-              <a:t>APPLICATIONS</a:t>
-            </a:r>
-            <a:endParaRPr lang="en-US" sz="2400" dirty="0">
-              <a:latin typeface="Times New Roman" panose="02020603050405020304" pitchFamily="18" charset="0"/>
-              <a:cs typeface="Times New Roman" panose="02020603050405020304" pitchFamily="18" charset="0"/>
-            </a:endParaRPr>
+          <a:bodyPr/>
+          <a:lstStyle/>
+          <a:p>
+            <a:r>
+              <a:rPr lang="en-US" dirty="0" err="1" smtClean="0"/>
+              <a:t>Cont</a:t>
+            </a:r>
+            <a:endParaRPr lang="en-US" dirty="0"/>
           </a:p>
         </p:txBody>
       </p:sp>
@@ -53734,67 +54413,291 @@
             <p:ph idx="1"/>
           </p:nvPr>
         </p:nvSpPr>
-        <p:spPr/>
+        <p:spPr>
+          <a:xfrm>
+            <a:off x="457200" y="1451610"/>
+            <a:ext cx="5765800" cy="3691890"/>
+          </a:xfrm>
+        </p:spPr>
+        <p:txBody>
+          <a:bodyPr>
+            <a:normAutofit fontScale="92500" lnSpcReduction="10000"/>
+          </a:bodyPr>
+          <a:lstStyle/>
+          <a:p>
+            <a:r>
+              <a:rPr lang="en-US" sz="2600" b="1" dirty="0" smtClean="0">
+                <a:latin typeface="+mj-lt"/>
+              </a:rPr>
+              <a:t>Secure Boot Sequence</a:t>
+            </a:r>
+          </a:p>
+          <a:p>
+            <a:r>
+              <a:rPr lang="en-US" sz="1800" dirty="0" smtClean="0"/>
+              <a:t>The </a:t>
+            </a:r>
+            <a:r>
+              <a:rPr lang="en-US" sz="1800" dirty="0"/>
+              <a:t>configuration file in the primary boot set is a copy of the running configuration that was in the router when the feature was first </a:t>
+            </a:r>
+            <a:r>
+              <a:rPr lang="en-US" sz="1800" dirty="0" smtClean="0"/>
+              <a:t>enabled</a:t>
+            </a:r>
+          </a:p>
+          <a:p>
+            <a:r>
+              <a:rPr lang="en-US" sz="1800" dirty="0" smtClean="0"/>
+              <a:t>D </a:t>
+            </a:r>
+            <a:r>
+              <a:rPr lang="en-US" sz="2000" dirty="0"/>
+              <a:t>The feature secures the smallest working set of files to preserve persistent storage space. No extra space is required to secure the primary IOS image file</a:t>
+            </a:r>
+            <a:r>
+              <a:rPr lang="en-US" sz="2000" dirty="0" smtClean="0"/>
+              <a:t>.</a:t>
+            </a:r>
+          </a:p>
+          <a:p>
+            <a:pPr marL="0" indent="0">
+              <a:buNone/>
+            </a:pPr>
+            <a:r>
+              <a:rPr lang="en-US" sz="2000" dirty="0" smtClean="0"/>
+              <a:t>   The </a:t>
+            </a:r>
+            <a:r>
+              <a:rPr lang="en-US" sz="2000" dirty="0"/>
+              <a:t>feature automatically detects image or </a:t>
+            </a:r>
+            <a:r>
+              <a:rPr lang="en-US" sz="2000" dirty="0" smtClean="0"/>
+              <a:t>       configuration version mismatch. Only </a:t>
+            </a:r>
+            <a:r>
+              <a:rPr lang="en-US" sz="2000" dirty="0"/>
+              <a:t>local storage is used for securing </a:t>
+            </a:r>
+            <a:r>
+              <a:rPr lang="en-US" sz="2000" dirty="0" smtClean="0"/>
+              <a:t>files</a:t>
+            </a:r>
+          </a:p>
+          <a:p>
+            <a:pPr marL="0" indent="0">
+              <a:buNone/>
+            </a:pPr>
+            <a:r>
+              <a:rPr lang="en-US" sz="2000" dirty="0"/>
+              <a:t>The feature can be disabled only through a console session</a:t>
+            </a:r>
+          </a:p>
+          <a:p>
+            <a:pPr marL="0" indent="0">
+              <a:buNone/>
+            </a:pPr>
+            <a:endParaRPr lang="en-US" sz="2000" dirty="0" smtClean="0"/>
+          </a:p>
+          <a:p>
+            <a:pPr marL="0" indent="0">
+              <a:buNone/>
+            </a:pPr>
+            <a:endParaRPr lang="en-US" sz="2000" dirty="0" smtClean="0"/>
+          </a:p>
+          <a:p>
+            <a:pPr marL="0" indent="0">
+              <a:buNone/>
+            </a:pPr>
+            <a:endParaRPr lang="en-US" sz="2000" dirty="0" smtClean="0"/>
+          </a:p>
+          <a:p>
+            <a:pPr marL="0" indent="0">
+              <a:buNone/>
+            </a:pPr>
+            <a:endParaRPr lang="en-US" sz="2000" dirty="0" smtClean="0"/>
+          </a:p>
+          <a:p>
+            <a:pPr marL="0" indent="0">
+              <a:buNone/>
+            </a:pPr>
+            <a:endParaRPr lang="en-US" sz="2000" dirty="0" smtClean="0"/>
+          </a:p>
+          <a:p>
+            <a:endParaRPr lang="en-US" dirty="0"/>
+          </a:p>
+        </p:txBody>
+      </p:sp>
+      <p:pic>
+        <p:nvPicPr>
+          <p:cNvPr id="4" name="Picture 6" descr="hacker_ii1"/>
+          <p:cNvPicPr>
+            <a:picLocks noChangeAspect="1" noChangeArrowheads="1"/>
+          </p:cNvPicPr>
+          <p:nvPr/>
+        </p:nvPicPr>
+        <p:blipFill>
+          <a:blip r:embed="rId2">
+            <a:extLst>
+              <a:ext uri="{28A0092B-C50C-407E-A947-70E740481C1C}">
+                <a14:useLocalDpi xmlns:a14="http://schemas.microsoft.com/office/drawing/2010/main" val="0"/>
+              </a:ext>
+            </a:extLst>
+          </a:blip>
+          <a:srcRect t="5971" b="4477"/>
+          <a:stretch>
+            <a:fillRect/>
+          </a:stretch>
+        </p:blipFill>
+        <p:spPr bwMode="auto">
+          <a:xfrm>
+            <a:off x="6408421" y="1451610"/>
+            <a:ext cx="2278379" cy="3505200"/>
+          </a:xfrm>
+          <a:prstGeom prst="rect">
+            <a:avLst/>
+          </a:prstGeom>
+          <a:noFill/>
+          <a:ln>
+            <a:noFill/>
+          </a:ln>
+          <a:extLst>
+            <a:ext uri="{909E8E84-426E-40DD-AFC4-6F175D3DCCD1}">
+              <a14:hiddenFill xmlns:a14="http://schemas.microsoft.com/office/drawing/2010/main">
+                <a:solidFill>
+                  <a:srgbClr val="FFFFFF"/>
+                </a:solidFill>
+              </a14:hiddenFill>
+            </a:ext>
+            <a:ext uri="{91240B29-F687-4F45-9708-019B960494DF}">
+              <a14:hiddenLine xmlns:a14="http://schemas.microsoft.com/office/drawing/2010/main" w="9525">
+                <a:solidFill>
+                  <a:srgbClr val="000000"/>
+                </a:solidFill>
+                <a:miter lim="800000"/>
+                <a:headEnd/>
+                <a:tailEnd/>
+              </a14:hiddenLine>
+            </a:ext>
+          </a:extLst>
+        </p:spPr>
+      </p:pic>
+      <p:sp>
+        <p:nvSpPr>
+          <p:cNvPr id="5" name="Text Box 7"/>
+          <p:cNvSpPr txBox="1">
+            <a:spLocks noChangeArrowheads="1"/>
+          </p:cNvSpPr>
+          <p:nvPr/>
+        </p:nvSpPr>
+        <p:spPr bwMode="auto">
+          <a:xfrm>
+            <a:off x="6917138" y="2114352"/>
+            <a:ext cx="1079100" cy="1457841"/>
+          </a:xfrm>
+          <a:prstGeom prst="rect">
+            <a:avLst/>
+          </a:prstGeom>
+          <a:solidFill>
+            <a:srgbClr val="C0C0C0"/>
+          </a:solidFill>
+          <a:ln w="9525">
+            <a:solidFill>
+              <a:schemeClr val="tx1"/>
+            </a:solidFill>
+            <a:miter lim="800000"/>
+            <a:headEnd/>
+            <a:tailEnd/>
+          </a:ln>
+          <a:effectLst>
+            <a:outerShdw dist="35921" dir="2700000" algn="ctr" rotWithShape="0">
+              <a:schemeClr val="bg2"/>
+            </a:outerShdw>
+          </a:effectLst>
+        </p:spPr>
         <p:txBody>
           <a:bodyPr/>
           <a:lstStyle/>
           <a:p>
-            <a:r>
-              <a:rPr lang="en-US" sz="1800" dirty="0" smtClean="0">
-                <a:latin typeface="Times New Roman" panose="02020603050405020304" pitchFamily="18" charset="0"/>
-                <a:cs typeface="Times New Roman" panose="02020603050405020304" pitchFamily="18" charset="0"/>
-              </a:rPr>
-              <a:t>Browser(To access AWS web Console)</a:t>
-            </a:r>
-          </a:p>
-          <a:p>
-            <a:r>
-              <a:rPr lang="en-US" sz="1800" dirty="0" smtClean="0">
-                <a:latin typeface="Times New Roman" panose="02020603050405020304" pitchFamily="18" charset="0"/>
-                <a:cs typeface="Times New Roman" panose="02020603050405020304" pitchFamily="18" charset="0"/>
-              </a:rPr>
-              <a:t>Putty</a:t>
-            </a:r>
-          </a:p>
-          <a:p>
-            <a:r>
-              <a:rPr lang="en-US" sz="1800" dirty="0" smtClean="0">
-                <a:latin typeface="Times New Roman" panose="02020603050405020304" pitchFamily="18" charset="0"/>
-                <a:cs typeface="Times New Roman" panose="02020603050405020304" pitchFamily="18" charset="0"/>
-              </a:rPr>
-              <a:t>Filezilla</a:t>
-            </a:r>
-          </a:p>
-          <a:p>
-            <a:r>
-              <a:rPr lang="en-US" sz="1800" dirty="0" smtClean="0">
-                <a:latin typeface="Times New Roman" panose="02020603050405020304" pitchFamily="18" charset="0"/>
-                <a:cs typeface="Times New Roman" panose="02020603050405020304" pitchFamily="18" charset="0"/>
-              </a:rPr>
-              <a:t>Packet Tracer</a:t>
-            </a:r>
-          </a:p>
-          <a:p>
-            <a:r>
-              <a:rPr lang="en-US" sz="1800" dirty="0" smtClean="0">
-                <a:latin typeface="Times New Roman" panose="02020603050405020304" pitchFamily="18" charset="0"/>
-                <a:cs typeface="Times New Roman" panose="02020603050405020304" pitchFamily="18" charset="0"/>
-              </a:rPr>
-              <a:t>GNS</a:t>
-            </a:r>
-          </a:p>
-          <a:p>
-            <a:endParaRPr lang="en-US" dirty="0">
-              <a:latin typeface="Times New Roman" panose="02020603050405020304" pitchFamily="18" charset="0"/>
-              <a:cs typeface="Times New Roman" panose="02020603050405020304" pitchFamily="18" charset="0"/>
+            <a:pPr eaLnBrk="1" hangingPunct="1">
+              <a:lnSpc>
+                <a:spcPct val="100000"/>
+              </a:lnSpc>
+              <a:spcBef>
+                <a:spcPct val="20000"/>
+              </a:spcBef>
+              <a:defRPr/>
+            </a:pPr>
+            <a:r>
+              <a:rPr lang="en-US" sz="800" b="0" dirty="0">
+                <a:latin typeface="Courier New" pitchFamily="49" charset="0"/>
+              </a:rPr>
+              <a:t>R1# </a:t>
+            </a:r>
+            <a:r>
+              <a:rPr lang="en-US" sz="800" dirty="0">
+                <a:latin typeface="Courier New" pitchFamily="49" charset="0"/>
+              </a:rPr>
+              <a:t>erase startup-</a:t>
+            </a:r>
+            <a:r>
+              <a:rPr lang="en-US" sz="800" dirty="0" err="1">
+                <a:latin typeface="Courier New" pitchFamily="49" charset="0"/>
+              </a:rPr>
+              <a:t>config</a:t>
+            </a:r>
+            <a:endParaRPr lang="en-US" sz="800" dirty="0">
+              <a:latin typeface="Courier New" pitchFamily="49" charset="0"/>
             </a:endParaRPr>
+          </a:p>
+          <a:p>
+            <a:pPr eaLnBrk="1" hangingPunct="1">
+              <a:lnSpc>
+                <a:spcPct val="100000"/>
+              </a:lnSpc>
+              <a:spcBef>
+                <a:spcPct val="20000"/>
+              </a:spcBef>
+              <a:defRPr/>
+            </a:pPr>
+            <a:r>
+              <a:rPr lang="en-US" sz="800" b="0" dirty="0">
+                <a:latin typeface="Courier New" pitchFamily="49" charset="0"/>
+              </a:rPr>
+              <a:t>Erasing the </a:t>
+            </a:r>
+            <a:r>
+              <a:rPr lang="en-US" sz="800" b="0" dirty="0" err="1">
+                <a:latin typeface="Courier New" pitchFamily="49" charset="0"/>
+              </a:rPr>
+              <a:t>nvram</a:t>
+            </a:r>
+            <a:r>
+              <a:rPr lang="en-US" sz="800" b="0" dirty="0">
+                <a:latin typeface="Courier New" pitchFamily="49" charset="0"/>
+              </a:rPr>
+              <a:t> </a:t>
+            </a:r>
+            <a:r>
+              <a:rPr lang="en-US" sz="800" b="0" dirty="0" err="1">
+                <a:latin typeface="Courier New" pitchFamily="49" charset="0"/>
+              </a:rPr>
+              <a:t>filesystem</a:t>
+            </a:r>
+            <a:r>
+              <a:rPr lang="en-US" sz="800" b="0" dirty="0">
+                <a:latin typeface="Courier New" pitchFamily="49" charset="0"/>
+              </a:rPr>
+              <a:t> will remove all configuration files! Continue? [confirm]</a:t>
+            </a:r>
           </a:p>
         </p:txBody>
       </p:sp>
     </p:spTree>
     <p:extLst>
       <p:ext uri="{BB962C8B-B14F-4D97-AF65-F5344CB8AC3E}">
-        <p14:creationId xmlns:p14="http://schemas.microsoft.com/office/powerpoint/2010/main" val="2293001449"/>
+        <p14:creationId xmlns:p14="http://schemas.microsoft.com/office/powerpoint/2010/main" val="1121832529"/>
       </p:ext>
     </p:extLst>
   </p:cSld>
@@ -53840,22 +54743,14 @@
         </p:nvSpPr>
         <p:spPr/>
         <p:txBody>
-          <a:bodyPr>
-            <a:normAutofit/>
-          </a:bodyPr>
-          <a:lstStyle/>
-          <a:p>
-            <a:r>
-              <a:rPr lang="en-US" sz="2400" dirty="0" smtClean="0">
-                <a:latin typeface="Times New Roman" panose="02020603050405020304" pitchFamily="18" charset="0"/>
-                <a:cs typeface="Times New Roman" panose="02020603050405020304" pitchFamily="18" charset="0"/>
-              </a:rPr>
-              <a:t>CONCLUSION</a:t>
-            </a:r>
-            <a:endParaRPr lang="en-US" sz="2400" dirty="0">
-              <a:latin typeface="Times New Roman" panose="02020603050405020304" pitchFamily="18" charset="0"/>
-              <a:cs typeface="Times New Roman" panose="02020603050405020304" pitchFamily="18" charset="0"/>
-            </a:endParaRPr>
+          <a:bodyPr/>
+          <a:lstStyle/>
+          <a:p>
+            <a:r>
+              <a:rPr lang="en-US" dirty="0" smtClean="0"/>
+              <a:t>Cont..</a:t>
+            </a:r>
+            <a:endParaRPr lang="en-US" dirty="0"/>
           </a:p>
         </p:txBody>
       </p:sp>
@@ -53872,37 +54767,120 @@
         <p:spPr/>
         <p:txBody>
           <a:bodyPr>
-            <a:normAutofit/>
+            <a:normAutofit fontScale="92500" lnSpcReduction="20000"/>
           </a:bodyPr>
           <a:lstStyle/>
           <a:p>
             <a:r>
-              <a:rPr lang="en-US" sz="1800" dirty="0" smtClean="0">
-                <a:latin typeface="Times New Roman" panose="02020603050405020304" pitchFamily="18" charset="0"/>
-                <a:cs typeface="Times New Roman" panose="02020603050405020304" pitchFamily="18" charset="0"/>
-              </a:rPr>
-              <a:t>Website will be handled billion and million request with out any latency and unviability issue.</a:t>
-            </a:r>
-          </a:p>
-          <a:p>
-            <a:r>
-              <a:rPr lang="en-US" sz="1800" dirty="0" smtClean="0">
-                <a:latin typeface="Times New Roman" panose="02020603050405020304" pitchFamily="18" charset="0"/>
-                <a:cs typeface="Times New Roman" panose="02020603050405020304" pitchFamily="18" charset="0"/>
-              </a:rPr>
-              <a:t>By the help of Scaling feature.</a:t>
-            </a:r>
-            <a:endParaRPr lang="en-US" sz="1800" dirty="0">
-              <a:latin typeface="Times New Roman" panose="02020603050405020304" pitchFamily="18" charset="0"/>
-              <a:cs typeface="Times New Roman" panose="02020603050405020304" pitchFamily="18" charset="0"/>
-            </a:endParaRPr>
+              <a:rPr lang="en-US" b="1" dirty="0"/>
+              <a:t>Port Security</a:t>
+            </a:r>
+            <a:endParaRPr lang="en-US" dirty="0"/>
+          </a:p>
+          <a:p>
+            <a:r>
+              <a:rPr lang="en-US" dirty="0" smtClean="0"/>
+              <a:t>Port </a:t>
+            </a:r>
+            <a:r>
+              <a:rPr lang="en-US" dirty="0"/>
+              <a:t>security controls how many MAC addresses can be learned on a single switch </a:t>
+            </a:r>
+            <a:r>
+              <a:rPr lang="en-US" dirty="0" err="1" smtClean="0"/>
+              <a:t>port.This</a:t>
+            </a:r>
+            <a:r>
+              <a:rPr lang="en-US" dirty="0" smtClean="0"/>
+              <a:t> </a:t>
+            </a:r>
+            <a:r>
+              <a:rPr lang="en-US" dirty="0"/>
+              <a:t>also protects against malicious applications that may be sending thousands of frames</a:t>
+            </a:r>
+          </a:p>
+          <a:p>
+            <a:r>
+              <a:rPr lang="en-US" dirty="0"/>
+              <a:t>into the network, with a different bogus MAC address for each </a:t>
+            </a:r>
+            <a:r>
+              <a:rPr lang="en-US" dirty="0" smtClean="0"/>
+              <a:t>frame.</a:t>
+            </a:r>
+          </a:p>
+          <a:p>
+            <a:r>
+              <a:rPr lang="en-US" b="1" dirty="0" smtClean="0"/>
+              <a:t>Dynamic Arp Spoofing</a:t>
+            </a:r>
+          </a:p>
+          <a:p>
+            <a:r>
+              <a:rPr lang="en-US" dirty="0"/>
+              <a:t>ARP provides IP communication within a Layer 2 broadcast domain by mapping an </a:t>
+            </a:r>
+            <a:r>
+              <a:rPr lang="en-US" dirty="0" smtClean="0"/>
+              <a:t>IP address </a:t>
+            </a:r>
+            <a:r>
+              <a:rPr lang="en-US" dirty="0"/>
+              <a:t>to a MAC </a:t>
+            </a:r>
+            <a:r>
+              <a:rPr lang="en-US" dirty="0" smtClean="0"/>
+              <a:t>address.</a:t>
+            </a:r>
+          </a:p>
+          <a:p>
+            <a:r>
+              <a:rPr lang="en-US" dirty="0"/>
+              <a:t>DAI is a security feature that validates ARP packets in a network. DAI intercepts, logs, </a:t>
+            </a:r>
+            <a:r>
+              <a:rPr lang="en-US" dirty="0" smtClean="0"/>
+              <a:t>and discards </a:t>
+            </a:r>
+            <a:r>
+              <a:rPr lang="en-US" dirty="0"/>
+              <a:t>ARP packets with invalid IP-t o -MAC address bindings</a:t>
+            </a:r>
+            <a:r>
+              <a:rPr lang="en-US" dirty="0" smtClean="0"/>
+              <a:t>.</a:t>
+            </a:r>
+          </a:p>
+          <a:p>
+            <a:r>
+              <a:rPr lang="en-US" dirty="0" smtClean="0"/>
+              <a:t> </a:t>
+            </a:r>
+            <a:r>
+              <a:rPr lang="en-US" dirty="0"/>
+              <a:t>This capability protects </a:t>
+            </a:r>
+            <a:r>
+              <a:rPr lang="en-US" dirty="0" smtClean="0"/>
+              <a:t>the network </a:t>
+            </a:r>
+            <a:r>
+              <a:rPr lang="en-US" dirty="0"/>
+              <a:t>from some man-in-the-middle attacks.</a:t>
+            </a:r>
+          </a:p>
+          <a:p>
+            <a:endParaRPr lang="en-US" b="1" dirty="0" smtClean="0"/>
+          </a:p>
+          <a:p>
+            <a:endParaRPr lang="en-US" dirty="0"/>
           </a:p>
         </p:txBody>
       </p:sp>
     </p:spTree>
     <p:extLst>
       <p:ext uri="{BB962C8B-B14F-4D97-AF65-F5344CB8AC3E}">
-        <p14:creationId xmlns:p14="http://schemas.microsoft.com/office/powerpoint/2010/main" val="4025210790"/>
+        <p14:creationId xmlns:p14="http://schemas.microsoft.com/office/powerpoint/2010/main" val="401426404"/>
       </p:ext>
     </p:extLst>
   </p:cSld>
@@ -53912,7 +54890,242 @@
   <p:timing>
     <p:tnLst>
       <p:par>
-        <p:cTn id="1" dur="indefinite" restart="never" nodeType="tmRoot"/>
+        <p:cTn id="1" dur="indefinite" restart="never" nodeType="tmRoot">
+          <p:childTnLst>
+            <p:seq concurrent="1" nextAc="seek">
+              <p:cTn id="2" dur="indefinite" nodeType="mainSeq">
+                <p:childTnLst>
+                  <p:par>
+                    <p:cTn id="3" fill="hold">
+                      <p:stCondLst>
+                        <p:cond delay="indefinite"/>
+                      </p:stCondLst>
+                      <p:childTnLst>
+                        <p:par>
+                          <p:cTn id="4" fill="hold">
+                            <p:stCondLst>
+                              <p:cond delay="0"/>
+                            </p:stCondLst>
+                            <p:childTnLst>
+                              <p:par>
+                                <p:cTn id="5" presetID="42" presetClass="entr" presetSubtype="0" fill="hold" nodeType="clickEffect">
+                                  <p:stCondLst>
+                                    <p:cond delay="0"/>
+                                  </p:stCondLst>
+                                  <p:childTnLst>
+                                    <p:set>
+                                      <p:cBhvr>
+                                        <p:cTn id="6" dur="1" fill="hold">
+                                          <p:stCondLst>
+                                            <p:cond delay="0"/>
+                                          </p:stCondLst>
+                                        </p:cTn>
+                                        <p:tgtEl>
+                                          <p:spTgt spid="3">
+                                            <p:txEl>
+                                              <p:pRg st="0" end="0"/>
+                                            </p:txEl>
+                                          </p:spTgt>
+                                        </p:tgtEl>
+                                        <p:attrNameLst>
+                                          <p:attrName>style.visibility</p:attrName>
+                                        </p:attrNameLst>
+                                      </p:cBhvr>
+                                      <p:to>
+                                        <p:strVal val="visible"/>
+                                      </p:to>
+                                    </p:set>
+                                    <p:animEffect transition="in" filter="fade">
+                                      <p:cBhvr>
+                                        <p:cTn id="7" dur="1000"/>
+                                        <p:tgtEl>
+                                          <p:spTgt spid="3">
+                                            <p:txEl>
+                                              <p:pRg st="0" end="0"/>
+                                            </p:txEl>
+                                          </p:spTgt>
+                                        </p:tgtEl>
+                                      </p:cBhvr>
+                                    </p:animEffect>
+                                    <p:anim calcmode="lin" valueType="num">
+                                      <p:cBhvr>
+                                        <p:cTn id="8" dur="1000" fill="hold"/>
+                                        <p:tgtEl>
+                                          <p:spTgt spid="3">
+                                            <p:txEl>
+                                              <p:pRg st="0" end="0"/>
+                                            </p:txEl>
+                                          </p:spTgt>
+                                        </p:tgtEl>
+                                        <p:attrNameLst>
+                                          <p:attrName>ppt_x</p:attrName>
+                                        </p:attrNameLst>
+                                      </p:cBhvr>
+                                      <p:tavLst>
+                                        <p:tav tm="0">
+                                          <p:val>
+                                            <p:strVal val="#ppt_x"/>
+                                          </p:val>
+                                        </p:tav>
+                                        <p:tav tm="100000">
+                                          <p:val>
+                                            <p:strVal val="#ppt_x"/>
+                                          </p:val>
+                                        </p:tav>
+                                      </p:tavLst>
+                                    </p:anim>
+                                    <p:anim calcmode="lin" valueType="num">
+                                      <p:cBhvr>
+                                        <p:cTn id="9" dur="1000" fill="hold"/>
+                                        <p:tgtEl>
+                                          <p:spTgt spid="3">
+                                            <p:txEl>
+                                              <p:pRg st="0" end="0"/>
+                                            </p:txEl>
+                                          </p:spTgt>
+                                        </p:tgtEl>
+                                        <p:attrNameLst>
+                                          <p:attrName>ppt_y</p:attrName>
+                                        </p:attrNameLst>
+                                      </p:cBhvr>
+                                      <p:tavLst>
+                                        <p:tav tm="0">
+                                          <p:val>
+                                            <p:strVal val="#ppt_y+.1"/>
+                                          </p:val>
+                                        </p:tav>
+                                        <p:tav tm="100000">
+                                          <p:val>
+                                            <p:strVal val="#ppt_y"/>
+                                          </p:val>
+                                        </p:tav>
+                                      </p:tavLst>
+                                    </p:anim>
+                                  </p:childTnLst>
+                                </p:cTn>
+                              </p:par>
+                              <p:par>
+                                <p:cTn id="10" presetID="42" presetClass="entr" presetSubtype="0" fill="hold" nodeType="withEffect">
+                                  <p:stCondLst>
+                                    <p:cond delay="0"/>
+                                  </p:stCondLst>
+                                  <p:childTnLst>
+                                    <p:set>
+                                      <p:cBhvr>
+                                        <p:cTn id="11" dur="1" fill="hold">
+                                          <p:stCondLst>
+                                            <p:cond delay="0"/>
+                                          </p:stCondLst>
+                                        </p:cTn>
+                                        <p:tgtEl>
+                                          <p:spTgt spid="3">
+                                            <p:txEl>
+                                              <p:pRg st="1" end="1"/>
+                                            </p:txEl>
+                                          </p:spTgt>
+                                        </p:tgtEl>
+                                        <p:attrNameLst>
+                                          <p:attrName>style.visibility</p:attrName>
+                                        </p:attrNameLst>
+                                      </p:cBhvr>
+                                      <p:to>
+                                        <p:strVal val="visible"/>
+                                      </p:to>
+                                    </p:set>
+                                    <p:animEffect transition="in" filter="fade">
+                                      <p:cBhvr>
+                                        <p:cTn id="12" dur="1000"/>
+                                        <p:tgtEl>
+                                          <p:spTgt spid="3">
+                                            <p:txEl>
+                                              <p:pRg st="1" end="1"/>
+                                            </p:txEl>
+                                          </p:spTgt>
+                                        </p:tgtEl>
+                                      </p:cBhvr>
+                                    </p:animEffect>
+                                    <p:anim calcmode="lin" valueType="num">
+                                      <p:cBhvr>
+                                        <p:cTn id="13" dur="1000" fill="hold"/>
+                                        <p:tgtEl>
+                                          <p:spTgt spid="3">
+                                            <p:txEl>
+                                              <p:pRg st="1" end="1"/>
+                                            </p:txEl>
+                                          </p:spTgt>
+                                        </p:tgtEl>
+                                        <p:attrNameLst>
+                                          <p:attrName>ppt_x</p:attrName>
+                                        </p:attrNameLst>
+                                      </p:cBhvr>
+                                      <p:tavLst>
+                                        <p:tav tm="0">
+                                          <p:val>
+                                            <p:strVal val="#ppt_x"/>
+                                          </p:val>
+                                        </p:tav>
+                                        <p:tav tm="100000">
+                                          <p:val>
+                                            <p:strVal val="#ppt_x"/>
+                                          </p:val>
+                                        </p:tav>
+                                      </p:tavLst>
+                                    </p:anim>
+                                    <p:anim calcmode="lin" valueType="num">
+                                      <p:cBhvr>
+                                        <p:cTn id="14" dur="1000" fill="hold"/>
+                                        <p:tgtEl>
+                                          <p:spTgt spid="3">
+                                            <p:txEl>
+                                              <p:pRg st="1" end="1"/>
+                                            </p:txEl>
+                                          </p:spTgt>
+                                        </p:tgtEl>
+                                        <p:attrNameLst>
+                                          <p:attrName>ppt_y</p:attrName>
+                                        </p:attrNameLst>
+                                      </p:cBhvr>
+                                      <p:tavLst>
+                                        <p:tav tm="0">
+                                          <p:val>
+                                            <p:strVal val="#ppt_y+.1"/>
+                                          </p:val>
+                                        </p:tav>
+                                        <p:tav tm="100000">
+                                          <p:val>
+                                            <p:strVal val="#ppt_y"/>
+                                          </p:val>
+                                        </p:tav>
+                                      </p:tavLst>
+                                    </p:anim>
+                                  </p:childTnLst>
+                                </p:cTn>
+                              </p:par>
+                            </p:childTnLst>
+                          </p:cTn>
+                        </p:par>
+                      </p:childTnLst>
+                    </p:cTn>
+                  </p:par>
+                </p:childTnLst>
+              </p:cTn>
+              <p:prevCondLst>
+                <p:cond evt="onPrev" delay="0">
+                  <p:tgtEl>
+                    <p:sldTgt/>
+                  </p:tgtEl>
+                </p:cond>
+              </p:prevCondLst>
+              <p:nextCondLst>
+                <p:cond evt="onNext" delay="0">
+                  <p:tgtEl>
+                    <p:sldTgt/>
+                  </p:tgtEl>
+                </p:cond>
+              </p:nextCondLst>
+            </p:seq>
+          </p:childTnLst>
+        </p:cTn>
       </p:par>
     </p:tnLst>
   </p:timing>
@@ -53958,7 +55171,7 @@
                 <a:latin typeface="Times New Roman" panose="02020603050405020304" pitchFamily="18" charset="0"/>
                 <a:cs typeface="Times New Roman" panose="02020603050405020304" pitchFamily="18" charset="0"/>
               </a:rPr>
-              <a:t>FUTURE WORK	</a:t>
+              <a:t>APPLICATIONS</a:t>
             </a:r>
             <a:endParaRPr lang="en-US" sz="2400" dirty="0">
               <a:latin typeface="Times New Roman" panose="02020603050405020304" pitchFamily="18" charset="0"/>
@@ -53979,9 +55192,7 @@
         </p:nvSpPr>
         <p:spPr/>
         <p:txBody>
-          <a:bodyPr>
-            <a:normAutofit/>
-          </a:bodyPr>
+          <a:bodyPr/>
           <a:lstStyle/>
           <a:p>
             <a:r>
@@ -53989,43 +55200,70 @@
                 <a:latin typeface="Times New Roman" panose="02020603050405020304" pitchFamily="18" charset="0"/>
                 <a:cs typeface="Times New Roman" panose="02020603050405020304" pitchFamily="18" charset="0"/>
               </a:rPr>
-              <a:t>Website site deployment </a:t>
-            </a:r>
-            <a:endParaRPr lang="en-US" sz="1800" dirty="0">
+              <a:t>Browser(To access AWS web Console)</a:t>
+            </a:r>
+          </a:p>
+          <a:p>
+            <a:r>
+              <a:rPr lang="en-US" sz="1800" dirty="0" smtClean="0">
+                <a:latin typeface="Times New Roman" panose="02020603050405020304" pitchFamily="18" charset="0"/>
+                <a:cs typeface="Times New Roman" panose="02020603050405020304" pitchFamily="18" charset="0"/>
+              </a:rPr>
+              <a:t>Putty</a:t>
+            </a:r>
+          </a:p>
+          <a:p>
+            <a:r>
+              <a:rPr lang="en-US" sz="1800" dirty="0" smtClean="0">
+                <a:latin typeface="Times New Roman" panose="02020603050405020304" pitchFamily="18" charset="0"/>
+                <a:cs typeface="Times New Roman" panose="02020603050405020304" pitchFamily="18" charset="0"/>
+              </a:rPr>
+              <a:t>Filezilla</a:t>
+            </a:r>
+          </a:p>
+          <a:p>
+            <a:r>
+              <a:rPr lang="en-US" sz="1800" dirty="0" smtClean="0">
+                <a:latin typeface="Times New Roman" panose="02020603050405020304" pitchFamily="18" charset="0"/>
+                <a:cs typeface="Times New Roman" panose="02020603050405020304" pitchFamily="18" charset="0"/>
+              </a:rPr>
+              <a:t>Packet Tracer</a:t>
+            </a:r>
+          </a:p>
+          <a:p>
+            <a:r>
+              <a:rPr lang="en-US" sz="1800" dirty="0" smtClean="0">
+                <a:latin typeface="Times New Roman" panose="02020603050405020304" pitchFamily="18" charset="0"/>
+                <a:cs typeface="Times New Roman" panose="02020603050405020304" pitchFamily="18" charset="0"/>
+              </a:rPr>
+              <a:t>GNS</a:t>
+            </a:r>
+          </a:p>
+          <a:p>
+            <a:endParaRPr lang="en-US" dirty="0">
               <a:latin typeface="Times New Roman" panose="02020603050405020304" pitchFamily="18" charset="0"/>
               <a:cs typeface="Times New Roman" panose="02020603050405020304" pitchFamily="18" charset="0"/>
             </a:endParaRPr>
           </a:p>
-          <a:p>
-            <a:r>
-              <a:rPr lang="en-US" sz="1800" dirty="0" smtClean="0">
-                <a:latin typeface="Times New Roman" panose="02020603050405020304" pitchFamily="18" charset="0"/>
-                <a:cs typeface="Times New Roman" panose="02020603050405020304" pitchFamily="18" charset="0"/>
-              </a:rPr>
-              <a:t>IOT implementation</a:t>
-            </a:r>
-          </a:p>
-          <a:p>
-            <a:r>
-              <a:rPr lang="en-US" sz="1800" dirty="0" smtClean="0">
-                <a:latin typeface="Times New Roman" panose="02020603050405020304" pitchFamily="18" charset="0"/>
-                <a:cs typeface="Times New Roman" panose="02020603050405020304" pitchFamily="18" charset="0"/>
-              </a:rPr>
-              <a:t>RPI Connecting to Cloud</a:t>
-            </a:r>
-          </a:p>
         </p:txBody>
       </p:sp>
     </p:spTree>
     <p:extLst>
       <p:ext uri="{BB962C8B-B14F-4D97-AF65-F5344CB8AC3E}">
-        <p14:creationId xmlns:p14="http://schemas.microsoft.com/office/powerpoint/2010/main" val="873231795"/>
+        <p14:creationId xmlns:p14="http://schemas.microsoft.com/office/powerpoint/2010/main" val="2293001449"/>
       </p:ext>
     </p:extLst>
   </p:cSld>
   <p:clrMapOvr>
     <a:masterClrMapping/>
   </p:clrMapOvr>
+  <p:timing>
+    <p:tnLst>
+      <p:par>
+        <p:cTn id="1" dur="indefinite" restart="never" nodeType="tmRoot"/>
+      </p:par>
+    </p:tnLst>
+  </p:timing>
 </p:sld>
 </file>
 
@@ -54051,10 +55289,10 @@
           <p:cNvPr id="122" name="Rectangle 96">
             <a:extLst>
               <a:ext uri="{FF2B5EF4-FFF2-40B4-BE49-F238E27FC236}">
-                <a16:creationId xmlns="" xmlns:a16="http://schemas.microsoft.com/office/drawing/2014/main" id="{E724B9E8-02C8-4B2E-8770-A00A67760DF0}"/>
+                <a16:creationId xmlns:a16="http://schemas.microsoft.com/office/drawing/2014/main" xmlns="" id="{E724B9E8-02C8-4B2E-8770-A00A67760DF0}"/>
               </a:ext>
               <a:ext uri="{C183D7F6-B498-43B3-948B-1728B52AA6E4}">
-                <adec:decorative xmlns="" xmlns:adec="http://schemas.microsoft.com/office/drawing/2017/decorative" val="1"/>
+                <adec:decorative xmlns:adec="http://schemas.microsoft.com/office/drawing/2017/decorative" xmlns="" val="1"/>
               </a:ext>
             </a:extLst>
           </p:cNvPr>
@@ -54064,7 +55302,7 @@
           <p:nvPr>
             <p:extLst>
               <p:ext uri="{386F3935-93C4-4BCD-93E2-E3B085C9AB24}">
-                <p16:designElem xmlns="" xmlns:p16="http://schemas.microsoft.com/office/powerpoint/2015/main" val="1"/>
+                <p16:designElem xmlns:p16="http://schemas.microsoft.com/office/powerpoint/2015/main" xmlns="" val="1"/>
               </p:ext>
             </p:extLst>
           </p:nvPr>
@@ -54117,10 +55355,10 @@
           <p:cNvPr id="123" name="Picture 98">
             <a:extLst>
               <a:ext uri="{FF2B5EF4-FFF2-40B4-BE49-F238E27FC236}">
-                <a16:creationId xmlns="" xmlns:a16="http://schemas.microsoft.com/office/drawing/2014/main" id="{7B8AE548-0BFA-4792-9962-3375923C7635}"/>
+                <a16:creationId xmlns:a16="http://schemas.microsoft.com/office/drawing/2014/main" xmlns="" id="{7B8AE548-0BFA-4792-9962-3375923C7635}"/>
               </a:ext>
               <a:ext uri="{C183D7F6-B498-43B3-948B-1728B52AA6E4}">
-                <adec:decorative xmlns="" xmlns:adec="http://schemas.microsoft.com/office/drawing/2017/decorative" val="1"/>
+                <adec:decorative xmlns:adec="http://schemas.microsoft.com/office/drawing/2017/decorative" xmlns="" val="1"/>
               </a:ext>
             </a:extLst>
           </p:cNvPr>
@@ -54130,7 +55368,7 @@
           <p:nvPr>
             <p:extLst>
               <p:ext uri="{386F3935-93C4-4BCD-93E2-E3B085C9AB24}">
-                <p16:designElem xmlns="" xmlns:p16="http://schemas.microsoft.com/office/powerpoint/2015/main" val="1"/>
+                <p16:designElem xmlns:p16="http://schemas.microsoft.com/office/powerpoint/2015/main" xmlns="" val="1"/>
               </p:ext>
             </p:extLst>
           </p:nvPr>
@@ -54161,10 +55399,10 @@
           <p:cNvPr id="124" name="Straight Connector 100">
             <a:extLst>
               <a:ext uri="{FF2B5EF4-FFF2-40B4-BE49-F238E27FC236}">
-                <a16:creationId xmlns="" xmlns:a16="http://schemas.microsoft.com/office/drawing/2014/main" id="{67639EF4-FA83-4D85-90FE-B831AF283896}"/>
+                <a16:creationId xmlns:a16="http://schemas.microsoft.com/office/drawing/2014/main" xmlns="" id="{67639EF4-FA83-4D85-90FE-B831AF283896}"/>
               </a:ext>
               <a:ext uri="{C183D7F6-B498-43B3-948B-1728B52AA6E4}">
-                <adec:decorative xmlns="" xmlns:adec="http://schemas.microsoft.com/office/drawing/2017/decorative" val="1"/>
+                <adec:decorative xmlns:adec="http://schemas.microsoft.com/office/drawing/2017/decorative" xmlns="" val="1"/>
               </a:ext>
             </a:extLst>
           </p:cNvPr>
@@ -54174,7 +55412,7 @@
           <p:nvPr>
             <p:extLst>
               <p:ext uri="{386F3935-93C4-4BCD-93E2-E3B085C9AB24}">
-                <p16:designElem xmlns="" xmlns:p16="http://schemas.microsoft.com/office/powerpoint/2015/main" val="1"/>
+                <p16:designElem xmlns:p16="http://schemas.microsoft.com/office/powerpoint/2015/main" xmlns="" val="1"/>
               </p:ext>
             </p:extLst>
           </p:nvPr>
@@ -54215,10 +55453,10 @@
           <p:cNvPr id="125" name="Straight Connector 102">
             <a:extLst>
               <a:ext uri="{FF2B5EF4-FFF2-40B4-BE49-F238E27FC236}">
-                <a16:creationId xmlns="" xmlns:a16="http://schemas.microsoft.com/office/drawing/2014/main" id="{77F5183C-A26A-4229-984A-7FCEB7EE2D1A}"/>
+                <a16:creationId xmlns:a16="http://schemas.microsoft.com/office/drawing/2014/main" xmlns="" id="{77F5183C-A26A-4229-984A-7FCEB7EE2D1A}"/>
               </a:ext>
               <a:ext uri="{C183D7F6-B498-43B3-948B-1728B52AA6E4}">
-                <adec:decorative xmlns="" xmlns:adec="http://schemas.microsoft.com/office/drawing/2017/decorative" val="1"/>
+                <adec:decorative xmlns:adec="http://schemas.microsoft.com/office/drawing/2017/decorative" xmlns="" val="1"/>
               </a:ext>
             </a:extLst>
           </p:cNvPr>
@@ -54228,7 +55466,7 @@
           <p:nvPr>
             <p:extLst>
               <p:ext uri="{386F3935-93C4-4BCD-93E2-E3B085C9AB24}">
-                <p16:designElem xmlns="" xmlns:p16="http://schemas.microsoft.com/office/powerpoint/2015/main" val="1"/>
+                <p16:designElem xmlns:p16="http://schemas.microsoft.com/office/powerpoint/2015/main" xmlns="" val="1"/>
               </p:ext>
             </p:extLst>
           </p:nvPr>
@@ -54263,10 +55501,10 @@
           <p:cNvPr id="126" name="Rectangle 104">
             <a:extLst>
               <a:ext uri="{FF2B5EF4-FFF2-40B4-BE49-F238E27FC236}">
-                <a16:creationId xmlns="" xmlns:a16="http://schemas.microsoft.com/office/drawing/2014/main" id="{A67E9771-7057-4B1C-A442-B929DC7E19C1}"/>
+                <a16:creationId xmlns:a16="http://schemas.microsoft.com/office/drawing/2014/main" xmlns="" id="{A67E9771-7057-4B1C-A442-B929DC7E19C1}"/>
               </a:ext>
               <a:ext uri="{C183D7F6-B498-43B3-948B-1728B52AA6E4}">
-                <adec:decorative xmlns="" xmlns:adec="http://schemas.microsoft.com/office/drawing/2017/decorative" val="1"/>
+                <adec:decorative xmlns:adec="http://schemas.microsoft.com/office/drawing/2017/decorative" xmlns="" val="1"/>
               </a:ext>
             </a:extLst>
           </p:cNvPr>
@@ -54276,7 +55514,7 @@
           <p:nvPr>
             <p:extLst>
               <p:ext uri="{386F3935-93C4-4BCD-93E2-E3B085C9AB24}">
-                <p16:designElem xmlns="" xmlns:p16="http://schemas.microsoft.com/office/powerpoint/2015/main" val="1"/>
+                <p16:designElem xmlns:p16="http://schemas.microsoft.com/office/powerpoint/2015/main" xmlns="" val="1"/>
               </p:ext>
             </p:extLst>
           </p:nvPr>
@@ -54323,10 +55561,10 @@
           <p:cNvPr id="127" name="Straight Connector 106">
             <a:extLst>
               <a:ext uri="{FF2B5EF4-FFF2-40B4-BE49-F238E27FC236}">
-                <a16:creationId xmlns="" xmlns:a16="http://schemas.microsoft.com/office/drawing/2014/main" id="{5573DE81-A410-47F8-B617-36EF621515AE}"/>
+                <a16:creationId xmlns:a16="http://schemas.microsoft.com/office/drawing/2014/main" xmlns="" id="{5573DE81-A410-47F8-B617-36EF621515AE}"/>
               </a:ext>
               <a:ext uri="{C183D7F6-B498-43B3-948B-1728B52AA6E4}">
-                <adec:decorative xmlns="" xmlns:adec="http://schemas.microsoft.com/office/drawing/2017/decorative" val="1"/>
+                <adec:decorative xmlns:adec="http://schemas.microsoft.com/office/drawing/2017/decorative" xmlns="" val="1"/>
               </a:ext>
             </a:extLst>
           </p:cNvPr>
@@ -54336,7 +55574,7 @@
           <p:nvPr>
             <p:extLst>
               <p:ext uri="{386F3935-93C4-4BCD-93E2-E3B085C9AB24}">
-                <p16:designElem xmlns="" xmlns:p16="http://schemas.microsoft.com/office/powerpoint/2015/main" val="1"/>
+                <p16:designElem xmlns:p16="http://schemas.microsoft.com/office/powerpoint/2015/main" xmlns="" val="1"/>
               </p:ext>
             </p:extLst>
           </p:nvPr>
@@ -54371,7 +55609,7 @@
           <p:cNvPr id="2" name="Title 1">
             <a:extLst>
               <a:ext uri="{FF2B5EF4-FFF2-40B4-BE49-F238E27FC236}">
-                <a16:creationId xmlns="" xmlns:a16="http://schemas.microsoft.com/office/drawing/2014/main" id="{0EA25782-BD92-45C9-A8FE-5E3488DF3DA3}"/>
+                <a16:creationId xmlns:a16="http://schemas.microsoft.com/office/drawing/2014/main" xmlns="" id="{0EA25782-BD92-45C9-A8FE-5E3488DF3DA3}"/>
               </a:ext>
             </a:extLst>
           </p:cNvPr>
@@ -54407,10 +55645,10 @@
           <p:cNvPr id="128" name="Rectangle 108">
             <a:extLst>
               <a:ext uri="{FF2B5EF4-FFF2-40B4-BE49-F238E27FC236}">
-                <a16:creationId xmlns="" xmlns:a16="http://schemas.microsoft.com/office/drawing/2014/main" id="{B98D35C3-48CD-4EE5-BA0F-A1A132C7A62C}"/>
+                <a16:creationId xmlns:a16="http://schemas.microsoft.com/office/drawing/2014/main" xmlns="" id="{B98D35C3-48CD-4EE5-BA0F-A1A132C7A62C}"/>
               </a:ext>
               <a:ext uri="{C183D7F6-B498-43B3-948B-1728B52AA6E4}">
-                <adec:decorative xmlns="" xmlns:adec="http://schemas.microsoft.com/office/drawing/2017/decorative" val="1"/>
+                <adec:decorative xmlns:adec="http://schemas.microsoft.com/office/drawing/2017/decorative" xmlns="" val="1"/>
               </a:ext>
             </a:extLst>
           </p:cNvPr>
@@ -54420,7 +55658,7 @@
           <p:nvPr>
             <p:extLst>
               <p:ext uri="{386F3935-93C4-4BCD-93E2-E3B085C9AB24}">
-                <p16:designElem xmlns="" xmlns:p16="http://schemas.microsoft.com/office/powerpoint/2015/main" val="1"/>
+                <p16:designElem xmlns:p16="http://schemas.microsoft.com/office/powerpoint/2015/main" xmlns="" val="1"/>
               </p:ext>
             </p:extLst>
           </p:nvPr>
@@ -54481,10 +55719,10 @@
           <p:cNvPr id="129" name="Group 110">
             <a:extLst>
               <a:ext uri="{FF2B5EF4-FFF2-40B4-BE49-F238E27FC236}">
-                <a16:creationId xmlns="" xmlns:a16="http://schemas.microsoft.com/office/drawing/2014/main" id="{DECAEFDA-5D6A-4085-B80D-4317DEE01108}"/>
+                <a16:creationId xmlns:a16="http://schemas.microsoft.com/office/drawing/2014/main" xmlns="" id="{DECAEFDA-5D6A-4085-B80D-4317DEE01108}"/>
               </a:ext>
               <a:ext uri="{C183D7F6-B498-43B3-948B-1728B52AA6E4}">
-                <adec:decorative xmlns="" xmlns:adec="http://schemas.microsoft.com/office/drawing/2017/decorative" val="1"/>
+                <adec:decorative xmlns:adec="http://schemas.microsoft.com/office/drawing/2017/decorative" xmlns="" val="1"/>
               </a:ext>
             </a:extLst>
           </p:cNvPr>
@@ -54494,7 +55732,7 @@
           <p:nvPr>
             <p:extLst>
               <p:ext uri="{386F3935-93C4-4BCD-93E2-E3B085C9AB24}">
-                <p16:designElem xmlns="" xmlns:p16="http://schemas.microsoft.com/office/powerpoint/2015/main" val="1"/>
+                <p16:designElem xmlns:p16="http://schemas.microsoft.com/office/powerpoint/2015/main" xmlns="" val="1"/>
               </p:ext>
             </p:extLst>
           </p:nvPr>
@@ -54512,10 +55750,10 @@
             <p:cNvPr id="112" name="Rectangle 111">
               <a:extLst>
                 <a:ext uri="{FF2B5EF4-FFF2-40B4-BE49-F238E27FC236}">
-                  <a16:creationId xmlns="" xmlns:a16="http://schemas.microsoft.com/office/drawing/2014/main" id="{EA0C0CC8-828D-4478-A5A9-69961B949903}"/>
+                  <a16:creationId xmlns:a16="http://schemas.microsoft.com/office/drawing/2014/main" xmlns="" id="{EA0C0CC8-828D-4478-A5A9-69961B949903}"/>
                 </a:ext>
                 <a:ext uri="{C183D7F6-B498-43B3-948B-1728B52AA6E4}">
-                  <adec:decorative xmlns="" xmlns:adec="http://schemas.microsoft.com/office/drawing/2017/decorative" val="1"/>
+                  <adec:decorative xmlns:adec="http://schemas.microsoft.com/office/drawing/2017/decorative" xmlns="" val="1"/>
                 </a:ext>
               </a:extLst>
             </p:cNvPr>
@@ -54523,7 +55761,7 @@
             <p:nvPr>
               <p:extLst>
                 <p:ext uri="{386F3935-93C4-4BCD-93E2-E3B085C9AB24}">
-                  <p16:designElem xmlns="" xmlns:p16="http://schemas.microsoft.com/office/powerpoint/2015/main" val="1"/>
+                  <p16:designElem xmlns:p16="http://schemas.microsoft.com/office/powerpoint/2015/main" xmlns="" val="1"/>
                 </p:ext>
               </p:extLst>
             </p:nvPr>
@@ -54593,10 +55831,10 @@
             <p:cNvPr id="113" name="Rectangle 112">
               <a:extLst>
                 <a:ext uri="{FF2B5EF4-FFF2-40B4-BE49-F238E27FC236}">
-                  <a16:creationId xmlns="" xmlns:a16="http://schemas.microsoft.com/office/drawing/2014/main" id="{D8CEAB92-5D11-4A2B-A6F1-704DCDBA9228}"/>
+                  <a16:creationId xmlns:a16="http://schemas.microsoft.com/office/drawing/2014/main" xmlns="" id="{D8CEAB92-5D11-4A2B-A6F1-704DCDBA9228}"/>
                 </a:ext>
                 <a:ext uri="{C183D7F6-B498-43B3-948B-1728B52AA6E4}">
-                  <adec:decorative xmlns="" xmlns:adec="http://schemas.microsoft.com/office/drawing/2017/decorative" val="1"/>
+                  <adec:decorative xmlns:adec="http://schemas.microsoft.com/office/drawing/2017/decorative" xmlns="" val="1"/>
                 </a:ext>
               </a:extLst>
             </p:cNvPr>
@@ -54604,7 +55842,7 @@
             <p:nvPr>
               <p:extLst>
                 <p:ext uri="{386F3935-93C4-4BCD-93E2-E3B085C9AB24}">
-                  <p16:designElem xmlns="" xmlns:p16="http://schemas.microsoft.com/office/powerpoint/2015/main" val="1"/>
+                  <p16:designElem xmlns:p16="http://schemas.microsoft.com/office/powerpoint/2015/main" xmlns="" val="1"/>
                 </p:ext>
               </p:extLst>
             </p:nvPr>
@@ -54678,10 +55916,10 @@
           <p:cNvPr id="130" name="Rectangle 114">
             <a:extLst>
               <a:ext uri="{FF2B5EF4-FFF2-40B4-BE49-F238E27FC236}">
-                <a16:creationId xmlns="" xmlns:a16="http://schemas.microsoft.com/office/drawing/2014/main" id="{5EE095BE-2923-4F9D-9B66-4A0FD49BD0B0}"/>
+                <a16:creationId xmlns:a16="http://schemas.microsoft.com/office/drawing/2014/main" xmlns="" id="{5EE095BE-2923-4F9D-9B66-4A0FD49BD0B0}"/>
               </a:ext>
               <a:ext uri="{C183D7F6-B498-43B3-948B-1728B52AA6E4}">
-                <adec:decorative xmlns="" xmlns:adec="http://schemas.microsoft.com/office/drawing/2017/decorative" val="1"/>
+                <adec:decorative xmlns:adec="http://schemas.microsoft.com/office/drawing/2017/decorative" xmlns="" val="1"/>
               </a:ext>
             </a:extLst>
           </p:cNvPr>
@@ -54691,7 +55929,7 @@
           <p:nvPr>
             <p:extLst>
               <p:ext uri="{386F3935-93C4-4BCD-93E2-E3B085C9AB24}">
-                <p16:designElem xmlns="" xmlns:p16="http://schemas.microsoft.com/office/powerpoint/2015/main" val="1"/>
+                <p16:designElem xmlns:p16="http://schemas.microsoft.com/office/powerpoint/2015/main" xmlns="" val="1"/>
               </p:ext>
             </p:extLst>
           </p:nvPr>
@@ -54743,7 +55981,7 @@
           <p:cNvPr id="35" name="Picture 35">
             <a:extLst>
               <a:ext uri="{FF2B5EF4-FFF2-40B4-BE49-F238E27FC236}">
-                <a16:creationId xmlns="" xmlns:a16="http://schemas.microsoft.com/office/drawing/2014/main" id="{D743029D-33A4-4790-A894-4A1098BB5024}"/>
+                <a16:creationId xmlns:a16="http://schemas.microsoft.com/office/drawing/2014/main" xmlns="" id="{D743029D-33A4-4790-A894-4A1098BB5024}"/>
               </a:ext>
             </a:extLst>
           </p:cNvPr>
@@ -54775,7 +56013,7 @@
           <p:cNvPr id="26" name="Picture 26">
             <a:extLst>
               <a:ext uri="{FF2B5EF4-FFF2-40B4-BE49-F238E27FC236}">
-                <a16:creationId xmlns="" xmlns:a16="http://schemas.microsoft.com/office/drawing/2014/main" id="{A0B98548-5AF4-4D17-8E77-CF09F28B7006}"/>
+                <a16:creationId xmlns:a16="http://schemas.microsoft.com/office/drawing/2014/main" xmlns="" id="{A0B98548-5AF4-4D17-8E77-CF09F28B7006}"/>
               </a:ext>
             </a:extLst>
           </p:cNvPr>
@@ -54805,7 +56043,7 @@
           <p:cNvPr id="11" name="Picture 12" descr="A picture containing vector graphics&#10;&#10;Description generated with high confidence">
             <a:extLst>
               <a:ext uri="{FF2B5EF4-FFF2-40B4-BE49-F238E27FC236}">
-                <a16:creationId xmlns="" xmlns:a16="http://schemas.microsoft.com/office/drawing/2014/main" id="{B719C4FC-2F1B-4CC4-BEB2-23F2D3C94E82}"/>
+                <a16:creationId xmlns:a16="http://schemas.microsoft.com/office/drawing/2014/main" xmlns="" id="{B719C4FC-2F1B-4CC4-BEB2-23F2D3C94E82}"/>
               </a:ext>
             </a:extLst>
           </p:cNvPr>
@@ -54834,10 +56072,10 @@
           <p:cNvPr id="131" name="Picture 116">
             <a:extLst>
               <a:ext uri="{FF2B5EF4-FFF2-40B4-BE49-F238E27FC236}">
-                <a16:creationId xmlns="" xmlns:a16="http://schemas.microsoft.com/office/drawing/2014/main" id="{34822122-BCC6-452D-B907-31FDA6CA9F87}"/>
+                <a16:creationId xmlns:a16="http://schemas.microsoft.com/office/drawing/2014/main" xmlns="" id="{34822122-BCC6-452D-B907-31FDA6CA9F87}"/>
               </a:ext>
               <a:ext uri="{C183D7F6-B498-43B3-948B-1728B52AA6E4}">
-                <adec:decorative xmlns="" xmlns:adec="http://schemas.microsoft.com/office/drawing/2017/decorative" val="1"/>
+                <adec:decorative xmlns:adec="http://schemas.microsoft.com/office/drawing/2017/decorative" xmlns="" val="1"/>
               </a:ext>
             </a:extLst>
           </p:cNvPr>
@@ -54847,7 +56085,7 @@
           <p:nvPr>
             <p:extLst>
               <p:ext uri="{386F3935-93C4-4BCD-93E2-E3B085C9AB24}">
-                <p16:designElem xmlns="" xmlns:p16="http://schemas.microsoft.com/office/powerpoint/2015/main" val="1"/>
+                <p16:designElem xmlns:p16="http://schemas.microsoft.com/office/powerpoint/2015/main" xmlns="" val="1"/>
               </p:ext>
             </p:extLst>
           </p:nvPr>
@@ -54878,10 +56116,10 @@
           <p:cNvPr id="132" name="Straight Connector 118">
             <a:extLst>
               <a:ext uri="{FF2B5EF4-FFF2-40B4-BE49-F238E27FC236}">
-                <a16:creationId xmlns="" xmlns:a16="http://schemas.microsoft.com/office/drawing/2014/main" id="{C4EAB49D-C7AA-4FAF-8D66-1AD97FD5500C}"/>
+                <a16:creationId xmlns:a16="http://schemas.microsoft.com/office/drawing/2014/main" xmlns="" id="{C4EAB49D-C7AA-4FAF-8D66-1AD97FD5500C}"/>
               </a:ext>
               <a:ext uri="{C183D7F6-B498-43B3-948B-1728B52AA6E4}">
-                <adec:decorative xmlns="" xmlns:adec="http://schemas.microsoft.com/office/drawing/2017/decorative" val="1"/>
+                <adec:decorative xmlns:adec="http://schemas.microsoft.com/office/drawing/2017/decorative" xmlns="" val="1"/>
               </a:ext>
             </a:extLst>
           </p:cNvPr>
@@ -54891,7 +56129,7 @@
           <p:nvPr>
             <p:extLst>
               <p:ext uri="{386F3935-93C4-4BCD-93E2-E3B085C9AB24}">
-                <p16:designElem xmlns="" xmlns:p16="http://schemas.microsoft.com/office/powerpoint/2015/main" val="1"/>
+                <p16:designElem xmlns:p16="http://schemas.microsoft.com/office/powerpoint/2015/main" xmlns="" val="1"/>
               </p:ext>
             </p:extLst>
           </p:nvPr>
@@ -54932,7 +56170,7 @@
           <p:cNvPr id="16" name="Content Placeholder 15" descr="SmartArt graphic">
             <a:extLst>
               <a:ext uri="{FF2B5EF4-FFF2-40B4-BE49-F238E27FC236}">
-                <a16:creationId xmlns="" xmlns:a16="http://schemas.microsoft.com/office/drawing/2014/main" id="{FEA7B78A-50D7-496B-9036-6921CE791D9E}"/>
+                <a16:creationId xmlns:a16="http://schemas.microsoft.com/office/drawing/2014/main" xmlns="" id="{FEA7B78A-50D7-496B-9036-6921CE791D9E}"/>
               </a:ext>
             </a:extLst>
           </p:cNvPr>
@@ -54959,7 +56197,7 @@
           <p:cNvPr id="324" name="Picture 324">
             <a:extLst>
               <a:ext uri="{FF2B5EF4-FFF2-40B4-BE49-F238E27FC236}">
-                <a16:creationId xmlns="" xmlns:a16="http://schemas.microsoft.com/office/drawing/2014/main" id="{DDA1A958-9F7C-4AB2-9159-41792B99EC0E}"/>
+                <a16:creationId xmlns:a16="http://schemas.microsoft.com/office/drawing/2014/main" xmlns="" id="{DDA1A958-9F7C-4AB2-9159-41792B99EC0E}"/>
               </a:ext>
             </a:extLst>
           </p:cNvPr>
@@ -55160,6 +56398,231 @@
                 <a:latin typeface="Times New Roman" panose="02020603050405020304" pitchFamily="18" charset="0"/>
                 <a:cs typeface="Times New Roman" panose="02020603050405020304" pitchFamily="18" charset="0"/>
               </a:rPr>
+              <a:t>CONCLUSION</a:t>
+            </a:r>
+            <a:endParaRPr lang="en-US" sz="2400" dirty="0">
+              <a:latin typeface="Times New Roman" panose="02020603050405020304" pitchFamily="18" charset="0"/>
+              <a:cs typeface="Times New Roman" panose="02020603050405020304" pitchFamily="18" charset="0"/>
+            </a:endParaRPr>
+          </a:p>
+        </p:txBody>
+      </p:sp>
+      <p:sp>
+        <p:nvSpPr>
+          <p:cNvPr id="3" name="Content Placeholder 2"/>
+          <p:cNvSpPr>
+            <a:spLocks noGrp="1"/>
+          </p:cNvSpPr>
+          <p:nvPr>
+            <p:ph idx="1"/>
+          </p:nvPr>
+        </p:nvSpPr>
+        <p:spPr/>
+        <p:txBody>
+          <a:bodyPr>
+            <a:normAutofit/>
+          </a:bodyPr>
+          <a:lstStyle/>
+          <a:p>
+            <a:r>
+              <a:rPr lang="en-US" sz="1800" dirty="0" smtClean="0">
+                <a:latin typeface="Times New Roman" panose="02020603050405020304" pitchFamily="18" charset="0"/>
+                <a:cs typeface="Times New Roman" panose="02020603050405020304" pitchFamily="18" charset="0"/>
+              </a:rPr>
+              <a:t>Website will be handled billion and million request with out any latency and unviability issue.</a:t>
+            </a:r>
+          </a:p>
+          <a:p>
+            <a:r>
+              <a:rPr lang="en-US" sz="1800" dirty="0" smtClean="0">
+                <a:latin typeface="Times New Roman" panose="02020603050405020304" pitchFamily="18" charset="0"/>
+                <a:cs typeface="Times New Roman" panose="02020603050405020304" pitchFamily="18" charset="0"/>
+              </a:rPr>
+              <a:t>By the help of Scaling feature.</a:t>
+            </a:r>
+            <a:endParaRPr lang="en-US" sz="1800" dirty="0">
+              <a:latin typeface="Times New Roman" panose="02020603050405020304" pitchFamily="18" charset="0"/>
+              <a:cs typeface="Times New Roman" panose="02020603050405020304" pitchFamily="18" charset="0"/>
+            </a:endParaRPr>
+          </a:p>
+        </p:txBody>
+      </p:sp>
+    </p:spTree>
+    <p:extLst>
+      <p:ext uri="{BB962C8B-B14F-4D97-AF65-F5344CB8AC3E}">
+        <p14:creationId xmlns:p14="http://schemas.microsoft.com/office/powerpoint/2010/main" val="4025210790"/>
+      </p:ext>
+    </p:extLst>
+  </p:cSld>
+  <p:clrMapOvr>
+    <a:masterClrMapping/>
+  </p:clrMapOvr>
+  <p:timing>
+    <p:tnLst>
+      <p:par>
+        <p:cTn id="1" dur="indefinite" restart="never" nodeType="tmRoot"/>
+      </p:par>
+    </p:tnLst>
+  </p:timing>
+</p:sld>
+</file>
+
+<file path=ppt/slides/slide31.xml><?xml version="1.0" encoding="utf-8"?>
+<p:sld xmlns:a="http://schemas.openxmlformats.org/drawingml/2006/main" xmlns:r="http://schemas.openxmlformats.org/officeDocument/2006/relationships" xmlns:p="http://schemas.openxmlformats.org/presentationml/2006/main">
+  <p:cSld>
+    <p:spTree>
+      <p:nvGrpSpPr>
+        <p:cNvPr id="1" name=""/>
+        <p:cNvGrpSpPr/>
+        <p:nvPr/>
+      </p:nvGrpSpPr>
+      <p:grpSpPr>
+        <a:xfrm>
+          <a:off x="0" y="0"/>
+          <a:ext cx="0" cy="0"/>
+          <a:chOff x="0" y="0"/>
+          <a:chExt cx="0" cy="0"/>
+        </a:xfrm>
+      </p:grpSpPr>
+      <p:sp>
+        <p:nvSpPr>
+          <p:cNvPr id="2" name="Title 1"/>
+          <p:cNvSpPr>
+            <a:spLocks noGrp="1"/>
+          </p:cNvSpPr>
+          <p:nvPr>
+            <p:ph type="title"/>
+          </p:nvPr>
+        </p:nvSpPr>
+        <p:spPr/>
+        <p:txBody>
+          <a:bodyPr>
+            <a:normAutofit/>
+          </a:bodyPr>
+          <a:lstStyle/>
+          <a:p>
+            <a:r>
+              <a:rPr lang="en-US" sz="2400" dirty="0" smtClean="0">
+                <a:latin typeface="Times New Roman" panose="02020603050405020304" pitchFamily="18" charset="0"/>
+                <a:cs typeface="Times New Roman" panose="02020603050405020304" pitchFamily="18" charset="0"/>
+              </a:rPr>
+              <a:t>FUTURE WORK	</a:t>
+            </a:r>
+            <a:endParaRPr lang="en-US" sz="2400" dirty="0">
+              <a:latin typeface="Times New Roman" panose="02020603050405020304" pitchFamily="18" charset="0"/>
+              <a:cs typeface="Times New Roman" panose="02020603050405020304" pitchFamily="18" charset="0"/>
+            </a:endParaRPr>
+          </a:p>
+        </p:txBody>
+      </p:sp>
+      <p:sp>
+        <p:nvSpPr>
+          <p:cNvPr id="3" name="Content Placeholder 2"/>
+          <p:cNvSpPr>
+            <a:spLocks noGrp="1"/>
+          </p:cNvSpPr>
+          <p:nvPr>
+            <p:ph idx="1"/>
+          </p:nvPr>
+        </p:nvSpPr>
+        <p:spPr/>
+        <p:txBody>
+          <a:bodyPr>
+            <a:normAutofit/>
+          </a:bodyPr>
+          <a:lstStyle/>
+          <a:p>
+            <a:r>
+              <a:rPr lang="en-US" sz="1800" dirty="0" smtClean="0">
+                <a:latin typeface="Times New Roman" panose="02020603050405020304" pitchFamily="18" charset="0"/>
+                <a:cs typeface="Times New Roman" panose="02020603050405020304" pitchFamily="18" charset="0"/>
+              </a:rPr>
+              <a:t>Website site deployment </a:t>
+            </a:r>
+            <a:endParaRPr lang="en-US" sz="1800" dirty="0">
+              <a:latin typeface="Times New Roman" panose="02020603050405020304" pitchFamily="18" charset="0"/>
+              <a:cs typeface="Times New Roman" panose="02020603050405020304" pitchFamily="18" charset="0"/>
+            </a:endParaRPr>
+          </a:p>
+          <a:p>
+            <a:r>
+              <a:rPr lang="en-US" sz="1800" dirty="0" smtClean="0">
+                <a:latin typeface="Times New Roman" panose="02020603050405020304" pitchFamily="18" charset="0"/>
+                <a:cs typeface="Times New Roman" panose="02020603050405020304" pitchFamily="18" charset="0"/>
+              </a:rPr>
+              <a:t>IOT implementation</a:t>
+            </a:r>
+          </a:p>
+          <a:p>
+            <a:r>
+              <a:rPr lang="en-US" sz="1800" dirty="0" smtClean="0">
+                <a:latin typeface="Times New Roman" panose="02020603050405020304" pitchFamily="18" charset="0"/>
+                <a:cs typeface="Times New Roman" panose="02020603050405020304" pitchFamily="18" charset="0"/>
+              </a:rPr>
+              <a:t>RPI Connecting to Cloud</a:t>
+            </a:r>
+          </a:p>
+        </p:txBody>
+      </p:sp>
+    </p:spTree>
+    <p:extLst>
+      <p:ext uri="{BB962C8B-B14F-4D97-AF65-F5344CB8AC3E}">
+        <p14:creationId xmlns:p14="http://schemas.microsoft.com/office/powerpoint/2010/main" val="873231795"/>
+      </p:ext>
+    </p:extLst>
+  </p:cSld>
+  <p:clrMapOvr>
+    <a:masterClrMapping/>
+  </p:clrMapOvr>
+  <p:timing>
+    <p:tnLst>
+      <p:par>
+        <p:cTn id="1" dur="indefinite" restart="never" nodeType="tmRoot"/>
+      </p:par>
+    </p:tnLst>
+  </p:timing>
+</p:sld>
+</file>
+
+<file path=ppt/slides/slide32.xml><?xml version="1.0" encoding="utf-8"?>
+<p:sld xmlns:a="http://schemas.openxmlformats.org/drawingml/2006/main" xmlns:r="http://schemas.openxmlformats.org/officeDocument/2006/relationships" xmlns:p="http://schemas.openxmlformats.org/presentationml/2006/main">
+  <p:cSld>
+    <p:spTree>
+      <p:nvGrpSpPr>
+        <p:cNvPr id="1" name=""/>
+        <p:cNvGrpSpPr/>
+        <p:nvPr/>
+      </p:nvGrpSpPr>
+      <p:grpSpPr>
+        <a:xfrm>
+          <a:off x="0" y="0"/>
+          <a:ext cx="0" cy="0"/>
+          <a:chOff x="0" y="0"/>
+          <a:chExt cx="0" cy="0"/>
+        </a:xfrm>
+      </p:grpSpPr>
+      <p:sp>
+        <p:nvSpPr>
+          <p:cNvPr id="2" name="Title 1"/>
+          <p:cNvSpPr>
+            <a:spLocks noGrp="1"/>
+          </p:cNvSpPr>
+          <p:nvPr>
+            <p:ph type="title"/>
+          </p:nvPr>
+        </p:nvSpPr>
+        <p:spPr/>
+        <p:txBody>
+          <a:bodyPr>
+            <a:normAutofit/>
+          </a:bodyPr>
+          <a:lstStyle/>
+          <a:p>
+            <a:r>
+              <a:rPr lang="en-US" sz="2400" dirty="0" smtClean="0">
+                <a:latin typeface="Times New Roman" panose="02020603050405020304" pitchFamily="18" charset="0"/>
+                <a:cs typeface="Times New Roman" panose="02020603050405020304" pitchFamily="18" charset="0"/>
+              </a:rPr>
               <a:t>REFERENCES</a:t>
             </a:r>
             <a:endParaRPr lang="en-US" sz="2400" dirty="0">
@@ -55222,7 +56685,7 @@
 </p:sld>
 </file>
 
-<file path=ppt/slides/slide31.xml><?xml version="1.0" encoding="utf-8"?>
+<file path=ppt/slides/slide33.xml><?xml version="1.0" encoding="utf-8"?>
 <p:sld xmlns:a="http://schemas.openxmlformats.org/drawingml/2006/main" xmlns:r="http://schemas.openxmlformats.org/officeDocument/2006/relationships" xmlns:p="http://schemas.openxmlformats.org/presentationml/2006/main">
   <p:cSld>
     <p:spTree>
@@ -55311,7 +56774,7 @@
           <p:cNvPr id="2" name="Title 1">
             <a:extLst>
               <a:ext uri="{FF2B5EF4-FFF2-40B4-BE49-F238E27FC236}">
-                <a16:creationId xmlns:a16="http://schemas.microsoft.com/office/drawing/2014/main" xmlns="" id="{30C6CB4C-B5E1-4756-815D-BC6EC8E787FB}"/>
+                <a16:creationId xmlns="" xmlns:a16="http://schemas.microsoft.com/office/drawing/2014/main" id="{30C6CB4C-B5E1-4756-815D-BC6EC8E787FB}"/>
               </a:ext>
             </a:extLst>
           </p:cNvPr>
@@ -55356,7 +56819,7 @@
           <p:cNvPr id="6" name="Text Placeholder 5">
             <a:extLst>
               <a:ext uri="{FF2B5EF4-FFF2-40B4-BE49-F238E27FC236}">
-                <a16:creationId xmlns:a16="http://schemas.microsoft.com/office/drawing/2014/main" xmlns="" id="{BCD4784F-41FE-47AC-B617-00EA570D30E9}"/>
+                <a16:creationId xmlns="" xmlns:a16="http://schemas.microsoft.com/office/drawing/2014/main" id="{BCD4784F-41FE-47AC-B617-00EA570D30E9}"/>
               </a:ext>
             </a:extLst>
           </p:cNvPr>
@@ -55383,7 +56846,7 @@
           <p:cNvPr id="7" name="Text Placeholder 6">
             <a:extLst>
               <a:ext uri="{FF2B5EF4-FFF2-40B4-BE49-F238E27FC236}">
-                <a16:creationId xmlns:a16="http://schemas.microsoft.com/office/drawing/2014/main" xmlns="" id="{FFA8FF1C-735A-4A06-B94C-EA601032196E}"/>
+                <a16:creationId xmlns="" xmlns:a16="http://schemas.microsoft.com/office/drawing/2014/main" id="{FFA8FF1C-735A-4A06-B94C-EA601032196E}"/>
               </a:ext>
             </a:extLst>
           </p:cNvPr>
@@ -55422,7 +56885,7 @@
           <p:cNvPr id="50" name="Picture Placeholder 49" descr="Company logo">
             <a:extLst>
               <a:ext uri="{FF2B5EF4-FFF2-40B4-BE49-F238E27FC236}">
-                <a16:creationId xmlns:a16="http://schemas.microsoft.com/office/drawing/2014/main" xmlns="" id="{AA0BD572-8873-4C60-84A2-F8D4F9A446D9}"/>
+                <a16:creationId xmlns="" xmlns:a16="http://schemas.microsoft.com/office/drawing/2014/main" id="{AA0BD572-8873-4C60-84A2-F8D4F9A446D9}"/>
               </a:ext>
             </a:extLst>
           </p:cNvPr>
@@ -55437,7 +56900,7 @@
           <a:blip r:embed="rId2">
             <a:extLst>
               <a:ext uri="{96DAC541-7B7A-43D3-8B79-37D633B846F1}">
-                <asvg:svgBlip xmlns:asvg="http://schemas.microsoft.com/office/drawing/2016/SVG/main" xmlns="" r:embed="rId3"/>
+                <asvg:svgBlip xmlns="" xmlns:asvg="http://schemas.microsoft.com/office/drawing/2016/SVG/main" r:embed="rId3"/>
               </a:ext>
             </a:extLst>
           </a:blip>
@@ -55453,7 +56916,7 @@
           <p:cNvPr id="47" name="Text Placeholder 46">
             <a:extLst>
               <a:ext uri="{FF2B5EF4-FFF2-40B4-BE49-F238E27FC236}">
-                <a16:creationId xmlns:a16="http://schemas.microsoft.com/office/drawing/2014/main" xmlns="" id="{AB47DC31-EE68-48D8-9468-C2B842A23804}"/>
+                <a16:creationId xmlns="" xmlns:a16="http://schemas.microsoft.com/office/drawing/2014/main" id="{AB47DC31-EE68-48D8-9468-C2B842A23804}"/>
               </a:ext>
             </a:extLst>
           </p:cNvPr>
@@ -55482,7 +56945,7 @@
           <p:cNvPr id="8" name="Text Placeholder 7">
             <a:extLst>
               <a:ext uri="{FF2B5EF4-FFF2-40B4-BE49-F238E27FC236}">
-                <a16:creationId xmlns:a16="http://schemas.microsoft.com/office/drawing/2014/main" xmlns="" id="{80A9E837-1CF3-4923-8E30-94AB8B4C216B}"/>
+                <a16:creationId xmlns="" xmlns:a16="http://schemas.microsoft.com/office/drawing/2014/main" id="{80A9E837-1CF3-4923-8E30-94AB8B4C216B}"/>
               </a:ext>
             </a:extLst>
           </p:cNvPr>
@@ -55511,7 +56974,7 @@
           <p:cNvPr id="21" name="Text Placeholder 20">
             <a:extLst>
               <a:ext uri="{FF2B5EF4-FFF2-40B4-BE49-F238E27FC236}">
-                <a16:creationId xmlns:a16="http://schemas.microsoft.com/office/drawing/2014/main" xmlns="" id="{954842DC-5569-4421-BEE9-EC5D80DF6E5C}"/>
+                <a16:creationId xmlns="" xmlns:a16="http://schemas.microsoft.com/office/drawing/2014/main" id="{954842DC-5569-4421-BEE9-EC5D80DF6E5C}"/>
               </a:ext>
             </a:extLst>
           </p:cNvPr>
@@ -55542,7 +57005,7 @@
           <p:cNvPr id="22" name="Text Placeholder 21">
             <a:extLst>
               <a:ext uri="{FF2B5EF4-FFF2-40B4-BE49-F238E27FC236}">
-                <a16:creationId xmlns:a16="http://schemas.microsoft.com/office/drawing/2014/main" xmlns="" id="{4390D17E-2D62-4E5F-B6C7-001336062968}"/>
+                <a16:creationId xmlns="" xmlns:a16="http://schemas.microsoft.com/office/drawing/2014/main" id="{4390D17E-2D62-4E5F-B6C7-001336062968}"/>
               </a:ext>
             </a:extLst>
           </p:cNvPr>
@@ -55571,7 +57034,7 @@
           <p:cNvPr id="11" name="Text Placeholder 10">
             <a:extLst>
               <a:ext uri="{FF2B5EF4-FFF2-40B4-BE49-F238E27FC236}">
-                <a16:creationId xmlns:a16="http://schemas.microsoft.com/office/drawing/2014/main" xmlns="" id="{3E894C19-9FAB-43B1-85B9-CB0B890E7C0D}"/>
+                <a16:creationId xmlns="" xmlns:a16="http://schemas.microsoft.com/office/drawing/2014/main" id="{3E894C19-9FAB-43B1-85B9-CB0B890E7C0D}"/>
               </a:ext>
             </a:extLst>
           </p:cNvPr>
@@ -55602,7 +57065,7 @@
           <p:cNvPr id="23" name="Text Placeholder 22">
             <a:extLst>
               <a:ext uri="{FF2B5EF4-FFF2-40B4-BE49-F238E27FC236}">
-                <a16:creationId xmlns:a16="http://schemas.microsoft.com/office/drawing/2014/main" xmlns="" id="{6368F96B-C4DE-44C0-B817-D7856E67522E}"/>
+                <a16:creationId xmlns="" xmlns:a16="http://schemas.microsoft.com/office/drawing/2014/main" id="{6368F96B-C4DE-44C0-B817-D7856E67522E}"/>
               </a:ext>
             </a:extLst>
           </p:cNvPr>
@@ -55633,7 +57096,7 @@
           <p:cNvPr id="24" name="Text Placeholder 23">
             <a:extLst>
               <a:ext uri="{FF2B5EF4-FFF2-40B4-BE49-F238E27FC236}">
-                <a16:creationId xmlns:a16="http://schemas.microsoft.com/office/drawing/2014/main" xmlns="" id="{04B1980E-9DD3-42DE-8F61-F99D5543C476}"/>
+                <a16:creationId xmlns="" xmlns:a16="http://schemas.microsoft.com/office/drawing/2014/main" id="{04B1980E-9DD3-42DE-8F61-F99D5543C476}"/>
               </a:ext>
             </a:extLst>
           </p:cNvPr>
@@ -55662,7 +57125,7 @@
           <p:cNvPr id="10" name="Text Placeholder 9">
             <a:extLst>
               <a:ext uri="{FF2B5EF4-FFF2-40B4-BE49-F238E27FC236}">
-                <a16:creationId xmlns:a16="http://schemas.microsoft.com/office/drawing/2014/main" xmlns="" id="{B71962F0-0A0F-4FC2-9E69-6265A830C45E}"/>
+                <a16:creationId xmlns="" xmlns:a16="http://schemas.microsoft.com/office/drawing/2014/main" id="{B71962F0-0A0F-4FC2-9E69-6265A830C45E}"/>
               </a:ext>
             </a:extLst>
           </p:cNvPr>
@@ -55693,7 +57156,7 @@
           <p:cNvPr id="25" name="Text Placeholder 24">
             <a:extLst>
               <a:ext uri="{FF2B5EF4-FFF2-40B4-BE49-F238E27FC236}">
-                <a16:creationId xmlns:a16="http://schemas.microsoft.com/office/drawing/2014/main" xmlns="" id="{2B193253-F94A-4164-AE5D-6B3931AE17CC}"/>
+                <a16:creationId xmlns="" xmlns:a16="http://schemas.microsoft.com/office/drawing/2014/main" id="{2B193253-F94A-4164-AE5D-6B3931AE17CC}"/>
               </a:ext>
             </a:extLst>
           </p:cNvPr>
@@ -55733,7 +57196,7 @@
           <p:cNvPr id="26" name="Text Placeholder 25">
             <a:extLst>
               <a:ext uri="{FF2B5EF4-FFF2-40B4-BE49-F238E27FC236}">
-                <a16:creationId xmlns:a16="http://schemas.microsoft.com/office/drawing/2014/main" xmlns="" id="{574B2B85-AD22-4077-83F1-E8A029BDD2AB}"/>
+                <a16:creationId xmlns="" xmlns:a16="http://schemas.microsoft.com/office/drawing/2014/main" id="{574B2B85-AD22-4077-83F1-E8A029BDD2AB}"/>
               </a:ext>
             </a:extLst>
           </p:cNvPr>
@@ -55762,7 +57225,7 @@
           <p:cNvPr id="9" name="Text Placeholder 8">
             <a:extLst>
               <a:ext uri="{FF2B5EF4-FFF2-40B4-BE49-F238E27FC236}">
-                <a16:creationId xmlns:a16="http://schemas.microsoft.com/office/drawing/2014/main" xmlns="" id="{106E260A-6B73-4483-8F8B-5B22E648BFDF}"/>
+                <a16:creationId xmlns="" xmlns:a16="http://schemas.microsoft.com/office/drawing/2014/main" id="{106E260A-6B73-4483-8F8B-5B22E648BFDF}"/>
               </a:ext>
             </a:extLst>
           </p:cNvPr>
@@ -55799,7 +57262,7 @@
           <p:cNvPr id="27" name="Text Placeholder 26">
             <a:extLst>
               <a:ext uri="{FF2B5EF4-FFF2-40B4-BE49-F238E27FC236}">
-                <a16:creationId xmlns:a16="http://schemas.microsoft.com/office/drawing/2014/main" xmlns="" id="{84F2613F-DCC0-4A1F-9B48-C279DDE0C201}"/>
+                <a16:creationId xmlns="" xmlns:a16="http://schemas.microsoft.com/office/drawing/2014/main" id="{84F2613F-DCC0-4A1F-9B48-C279DDE0C201}"/>
               </a:ext>
             </a:extLst>
           </p:cNvPr>
@@ -55830,7 +57293,7 @@
           <p:cNvPr id="28" name="Text Placeholder 27">
             <a:extLst>
               <a:ext uri="{FF2B5EF4-FFF2-40B4-BE49-F238E27FC236}">
-                <a16:creationId xmlns:a16="http://schemas.microsoft.com/office/drawing/2014/main" xmlns="" id="{67BB4E68-6401-4C98-8572-F315F0392AD3}"/>
+                <a16:creationId xmlns="" xmlns:a16="http://schemas.microsoft.com/office/drawing/2014/main" id="{67BB4E68-6401-4C98-8572-F315F0392AD3}"/>
               </a:ext>
             </a:extLst>
           </p:cNvPr>
@@ -55859,7 +57322,7 @@
           <p:cNvPr id="19" name="Text Placeholder 18">
             <a:extLst>
               <a:ext uri="{FF2B5EF4-FFF2-40B4-BE49-F238E27FC236}">
-                <a16:creationId xmlns:a16="http://schemas.microsoft.com/office/drawing/2014/main" xmlns="" id="{9747846D-FA06-4686-A47D-5A668FD95FE0}"/>
+                <a16:creationId xmlns="" xmlns:a16="http://schemas.microsoft.com/office/drawing/2014/main" id="{9747846D-FA06-4686-A47D-5A668FD95FE0}"/>
               </a:ext>
             </a:extLst>
           </p:cNvPr>
@@ -55888,7 +57351,7 @@
           <p:cNvPr id="13" name="Text Placeholder 12">
             <a:extLst>
               <a:ext uri="{FF2B5EF4-FFF2-40B4-BE49-F238E27FC236}">
-                <a16:creationId xmlns:a16="http://schemas.microsoft.com/office/drawing/2014/main" xmlns="" id="{04306A44-50E7-4C10-ABF1-71CE55A094F5}"/>
+                <a16:creationId xmlns="" xmlns:a16="http://schemas.microsoft.com/office/drawing/2014/main" id="{04306A44-50E7-4C10-ABF1-71CE55A094F5}"/>
               </a:ext>
             </a:extLst>
           </p:cNvPr>
@@ -55919,7 +57382,7 @@
           <p:cNvPr id="35" name="Text Placeholder 34">
             <a:extLst>
               <a:ext uri="{FF2B5EF4-FFF2-40B4-BE49-F238E27FC236}">
-                <a16:creationId xmlns:a16="http://schemas.microsoft.com/office/drawing/2014/main" xmlns="" id="{25D376EC-609C-46F1-A4A6-22B3BCBA9777}"/>
+                <a16:creationId xmlns="" xmlns:a16="http://schemas.microsoft.com/office/drawing/2014/main" id="{25D376EC-609C-46F1-A4A6-22B3BCBA9777}"/>
               </a:ext>
             </a:extLst>
           </p:cNvPr>
@@ -55950,7 +57413,7 @@
           <p:cNvPr id="36" name="Text Placeholder 35">
             <a:extLst>
               <a:ext uri="{FF2B5EF4-FFF2-40B4-BE49-F238E27FC236}">
-                <a16:creationId xmlns:a16="http://schemas.microsoft.com/office/drawing/2014/main" xmlns="" id="{1F3490A6-CE9A-4C91-9932-EEF33F6A61DE}"/>
+                <a16:creationId xmlns="" xmlns:a16="http://schemas.microsoft.com/office/drawing/2014/main" id="{1F3490A6-CE9A-4C91-9932-EEF33F6A61DE}"/>
               </a:ext>
             </a:extLst>
           </p:cNvPr>
@@ -55979,7 +57442,7 @@
           <p:cNvPr id="14" name="Text Placeholder 13">
             <a:extLst>
               <a:ext uri="{FF2B5EF4-FFF2-40B4-BE49-F238E27FC236}">
-                <a16:creationId xmlns:a16="http://schemas.microsoft.com/office/drawing/2014/main" xmlns="" id="{18BD9AA2-DFE1-412D-BB95-7989BA1E6039}"/>
+                <a16:creationId xmlns="" xmlns:a16="http://schemas.microsoft.com/office/drawing/2014/main" id="{18BD9AA2-DFE1-412D-BB95-7989BA1E6039}"/>
               </a:ext>
             </a:extLst>
           </p:cNvPr>
@@ -56010,7 +57473,7 @@
           <p:cNvPr id="31" name="Text Placeholder 30">
             <a:extLst>
               <a:ext uri="{FF2B5EF4-FFF2-40B4-BE49-F238E27FC236}">
-                <a16:creationId xmlns:a16="http://schemas.microsoft.com/office/drawing/2014/main" xmlns="" id="{BB5D9C5D-1FCA-4D88-ADCB-481D203B8465}"/>
+                <a16:creationId xmlns="" xmlns:a16="http://schemas.microsoft.com/office/drawing/2014/main" id="{BB5D9C5D-1FCA-4D88-ADCB-481D203B8465}"/>
               </a:ext>
             </a:extLst>
           </p:cNvPr>
@@ -56041,7 +57504,7 @@
           <p:cNvPr id="32" name="Text Placeholder 31">
             <a:extLst>
               <a:ext uri="{FF2B5EF4-FFF2-40B4-BE49-F238E27FC236}">
-                <a16:creationId xmlns:a16="http://schemas.microsoft.com/office/drawing/2014/main" xmlns="" id="{E15B9CEB-0CEB-4050-8317-0807EADC0F08}"/>
+                <a16:creationId xmlns="" xmlns:a16="http://schemas.microsoft.com/office/drawing/2014/main" id="{E15B9CEB-0CEB-4050-8317-0807EADC0F08}"/>
               </a:ext>
             </a:extLst>
           </p:cNvPr>
@@ -56070,7 +57533,7 @@
           <p:cNvPr id="15" name="Text Placeholder 14">
             <a:extLst>
               <a:ext uri="{FF2B5EF4-FFF2-40B4-BE49-F238E27FC236}">
-                <a16:creationId xmlns:a16="http://schemas.microsoft.com/office/drawing/2014/main" xmlns="" id="{CDDFF132-912B-4B2B-B3E5-D1AB199B58C1}"/>
+                <a16:creationId xmlns="" xmlns:a16="http://schemas.microsoft.com/office/drawing/2014/main" id="{CDDFF132-912B-4B2B-B3E5-D1AB199B58C1}"/>
               </a:ext>
             </a:extLst>
           </p:cNvPr>
@@ -56107,7 +57570,7 @@
           <p:cNvPr id="33" name="Text Placeholder 32">
             <a:extLst>
               <a:ext uri="{FF2B5EF4-FFF2-40B4-BE49-F238E27FC236}">
-                <a16:creationId xmlns:a16="http://schemas.microsoft.com/office/drawing/2014/main" xmlns="" id="{97AEBAB8-BDEB-4E4A-B443-829D3C340CA6}"/>
+                <a16:creationId xmlns="" xmlns:a16="http://schemas.microsoft.com/office/drawing/2014/main" id="{97AEBAB8-BDEB-4E4A-B443-829D3C340CA6}"/>
               </a:ext>
             </a:extLst>
           </p:cNvPr>
@@ -56138,7 +57601,7 @@
           <p:cNvPr id="34" name="Text Placeholder 33">
             <a:extLst>
               <a:ext uri="{FF2B5EF4-FFF2-40B4-BE49-F238E27FC236}">
-                <a16:creationId xmlns:a16="http://schemas.microsoft.com/office/drawing/2014/main" xmlns="" id="{B46FA574-2C1D-466A-8970-8B2776FA33DF}"/>
+                <a16:creationId xmlns="" xmlns:a16="http://schemas.microsoft.com/office/drawing/2014/main" id="{B46FA574-2C1D-466A-8970-8B2776FA33DF}"/>
               </a:ext>
             </a:extLst>
           </p:cNvPr>
@@ -56167,7 +57630,7 @@
           <p:cNvPr id="12" name="Text Placeholder 11">
             <a:extLst>
               <a:ext uri="{FF2B5EF4-FFF2-40B4-BE49-F238E27FC236}">
-                <a16:creationId xmlns:a16="http://schemas.microsoft.com/office/drawing/2014/main" xmlns="" id="{0950DBC3-6438-47ED-BA7E-BBD7E08290D1}"/>
+                <a16:creationId xmlns="" xmlns:a16="http://schemas.microsoft.com/office/drawing/2014/main" id="{0950DBC3-6438-47ED-BA7E-BBD7E08290D1}"/>
               </a:ext>
             </a:extLst>
           </p:cNvPr>
@@ -56208,7 +57671,7 @@
           <p:cNvPr id="29" name="Text Placeholder 28">
             <a:extLst>
               <a:ext uri="{FF2B5EF4-FFF2-40B4-BE49-F238E27FC236}">
-                <a16:creationId xmlns:a16="http://schemas.microsoft.com/office/drawing/2014/main" xmlns="" id="{71435C51-CB8E-41E5-8C00-34ADCC273A32}"/>
+                <a16:creationId xmlns="" xmlns:a16="http://schemas.microsoft.com/office/drawing/2014/main" id="{71435C51-CB8E-41E5-8C00-34ADCC273A32}"/>
               </a:ext>
             </a:extLst>
           </p:cNvPr>
@@ -56239,7 +57702,7 @@
           <p:cNvPr id="30" name="Text Placeholder 29">
             <a:extLst>
               <a:ext uri="{FF2B5EF4-FFF2-40B4-BE49-F238E27FC236}">
-                <a16:creationId xmlns:a16="http://schemas.microsoft.com/office/drawing/2014/main" xmlns="" id="{946F0E31-A00A-4287-813C-109216A59865}"/>
+                <a16:creationId xmlns="" xmlns:a16="http://schemas.microsoft.com/office/drawing/2014/main" id="{946F0E31-A00A-4287-813C-109216A59865}"/>
               </a:ext>
             </a:extLst>
           </p:cNvPr>
@@ -56268,7 +57731,7 @@
           <p:cNvPr id="95" name="Text Placeholder 94">
             <a:extLst>
               <a:ext uri="{FF2B5EF4-FFF2-40B4-BE49-F238E27FC236}">
-                <a16:creationId xmlns:a16="http://schemas.microsoft.com/office/drawing/2014/main" xmlns="" id="{7C0ECD94-A4CB-4FB7-A7F7-AA32C0ED85DB}"/>
+                <a16:creationId xmlns="" xmlns:a16="http://schemas.microsoft.com/office/drawing/2014/main" id="{7C0ECD94-A4CB-4FB7-A7F7-AA32C0ED85DB}"/>
               </a:ext>
             </a:extLst>
           </p:cNvPr>
@@ -56312,7 +57775,7 @@
           <p:cNvPr id="16" name="Text Placeholder 15">
             <a:extLst>
               <a:ext uri="{FF2B5EF4-FFF2-40B4-BE49-F238E27FC236}">
-                <a16:creationId xmlns:a16="http://schemas.microsoft.com/office/drawing/2014/main" xmlns="" id="{5E0624EF-8210-444B-9BC7-2C144038C2FB}"/>
+                <a16:creationId xmlns="" xmlns:a16="http://schemas.microsoft.com/office/drawing/2014/main" id="{5E0624EF-8210-444B-9BC7-2C144038C2FB}"/>
               </a:ext>
             </a:extLst>
           </p:cNvPr>
@@ -56343,7 +57806,7 @@
           <p:cNvPr id="37" name="Text Placeholder 36">
             <a:extLst>
               <a:ext uri="{FF2B5EF4-FFF2-40B4-BE49-F238E27FC236}">
-                <a16:creationId xmlns:a16="http://schemas.microsoft.com/office/drawing/2014/main" xmlns="" id="{DF4A9D67-1B01-4CF8-AC0D-C7E518691F63}"/>
+                <a16:creationId xmlns="" xmlns:a16="http://schemas.microsoft.com/office/drawing/2014/main" id="{DF4A9D67-1B01-4CF8-AC0D-C7E518691F63}"/>
               </a:ext>
             </a:extLst>
           </p:cNvPr>
@@ -56374,7 +57837,7 @@
           <p:cNvPr id="38" name="Text Placeholder 37">
             <a:extLst>
               <a:ext uri="{FF2B5EF4-FFF2-40B4-BE49-F238E27FC236}">
-                <a16:creationId xmlns:a16="http://schemas.microsoft.com/office/drawing/2014/main" xmlns="" id="{D7DFA977-B8C8-428F-BA2B-EFF078C726CF}"/>
+                <a16:creationId xmlns="" xmlns:a16="http://schemas.microsoft.com/office/drawing/2014/main" id="{D7DFA977-B8C8-428F-BA2B-EFF078C726CF}"/>
               </a:ext>
             </a:extLst>
           </p:cNvPr>
@@ -56403,7 +57866,7 @@
           <p:cNvPr id="18" name="Text Placeholder 17">
             <a:extLst>
               <a:ext uri="{FF2B5EF4-FFF2-40B4-BE49-F238E27FC236}">
-                <a16:creationId xmlns:a16="http://schemas.microsoft.com/office/drawing/2014/main" xmlns="" id="{7073D15E-3E59-4781-BA50-8D741A373A3B}"/>
+                <a16:creationId xmlns="" xmlns:a16="http://schemas.microsoft.com/office/drawing/2014/main" id="{7073D15E-3E59-4781-BA50-8D741A373A3B}"/>
               </a:ext>
             </a:extLst>
           </p:cNvPr>
@@ -56438,7 +57901,7 @@
           <p:cNvPr id="41" name="Text Placeholder 40">
             <a:extLst>
               <a:ext uri="{FF2B5EF4-FFF2-40B4-BE49-F238E27FC236}">
-                <a16:creationId xmlns:a16="http://schemas.microsoft.com/office/drawing/2014/main" xmlns="" id="{D183E534-6B6A-4814-BF59-57A6E38C5B02}"/>
+                <a16:creationId xmlns="" xmlns:a16="http://schemas.microsoft.com/office/drawing/2014/main" id="{D183E534-6B6A-4814-BF59-57A6E38C5B02}"/>
               </a:ext>
             </a:extLst>
           </p:cNvPr>
@@ -56469,7 +57932,7 @@
           <p:cNvPr id="42" name="Text Placeholder 41">
             <a:extLst>
               <a:ext uri="{FF2B5EF4-FFF2-40B4-BE49-F238E27FC236}">
-                <a16:creationId xmlns:a16="http://schemas.microsoft.com/office/drawing/2014/main" xmlns="" id="{075CE6EC-954F-4DE1-BFD8-21E7D92FDE17}"/>
+                <a16:creationId xmlns="" xmlns:a16="http://schemas.microsoft.com/office/drawing/2014/main" id="{075CE6EC-954F-4DE1-BFD8-21E7D92FDE17}"/>
               </a:ext>
             </a:extLst>
           </p:cNvPr>
@@ -56498,7 +57961,7 @@
           <p:cNvPr id="17" name="Text Placeholder 16">
             <a:extLst>
               <a:ext uri="{FF2B5EF4-FFF2-40B4-BE49-F238E27FC236}">
-                <a16:creationId xmlns:a16="http://schemas.microsoft.com/office/drawing/2014/main" xmlns="" id="{FACEF7EF-E8CB-4008-A749-3586789460E1}"/>
+                <a16:creationId xmlns="" xmlns:a16="http://schemas.microsoft.com/office/drawing/2014/main" id="{FACEF7EF-E8CB-4008-A749-3586789460E1}"/>
               </a:ext>
             </a:extLst>
           </p:cNvPr>
@@ -56529,7 +57992,7 @@
           <p:cNvPr id="39" name="Text Placeholder 38">
             <a:extLst>
               <a:ext uri="{FF2B5EF4-FFF2-40B4-BE49-F238E27FC236}">
-                <a16:creationId xmlns:a16="http://schemas.microsoft.com/office/drawing/2014/main" xmlns="" id="{96FA5D30-6CB0-4EEA-AB74-670C4C1A6E09}"/>
+                <a16:creationId xmlns="" xmlns:a16="http://schemas.microsoft.com/office/drawing/2014/main" id="{96FA5D30-6CB0-4EEA-AB74-670C4C1A6E09}"/>
               </a:ext>
             </a:extLst>
           </p:cNvPr>
@@ -56560,7 +58023,7 @@
           <p:cNvPr id="40" name="Text Placeholder 39">
             <a:extLst>
               <a:ext uri="{FF2B5EF4-FFF2-40B4-BE49-F238E27FC236}">
-                <a16:creationId xmlns:a16="http://schemas.microsoft.com/office/drawing/2014/main" xmlns="" id="{2439FE52-3A9A-43A5-9827-31AEC68BEE7A}"/>
+                <a16:creationId xmlns="" xmlns:a16="http://schemas.microsoft.com/office/drawing/2014/main" id="{2439FE52-3A9A-43A5-9827-31AEC68BEE7A}"/>
               </a:ext>
             </a:extLst>
           </p:cNvPr>
@@ -56589,7 +58052,7 @@
           <p:cNvPr id="46" name="Text Placeholder 45">
             <a:extLst>
               <a:ext uri="{FF2B5EF4-FFF2-40B4-BE49-F238E27FC236}">
-                <a16:creationId xmlns:a16="http://schemas.microsoft.com/office/drawing/2014/main" xmlns="" id="{A15ADFC7-484C-4FB9-A3C1-CDAA545F73FC}"/>
+                <a16:creationId xmlns="" xmlns:a16="http://schemas.microsoft.com/office/drawing/2014/main" id="{A15ADFC7-484C-4FB9-A3C1-CDAA545F73FC}"/>
               </a:ext>
             </a:extLst>
           </p:cNvPr>
@@ -56618,7 +58081,7 @@
           <p:cNvPr id="43" name="Text Placeholder 42">
             <a:extLst>
               <a:ext uri="{FF2B5EF4-FFF2-40B4-BE49-F238E27FC236}">
-                <a16:creationId xmlns:a16="http://schemas.microsoft.com/office/drawing/2014/main" xmlns="" id="{22CF05B5-E92D-4FD2-A21C-956D8E8321A7}"/>
+                <a16:creationId xmlns="" xmlns:a16="http://schemas.microsoft.com/office/drawing/2014/main" id="{22CF05B5-E92D-4FD2-A21C-956D8E8321A7}"/>
               </a:ext>
             </a:extLst>
           </p:cNvPr>
@@ -56649,7 +58112,7 @@
           <p:cNvPr id="44" name="Text Placeholder 43">
             <a:extLst>
               <a:ext uri="{FF2B5EF4-FFF2-40B4-BE49-F238E27FC236}">
-                <a16:creationId xmlns:a16="http://schemas.microsoft.com/office/drawing/2014/main" xmlns="" id="{00E93532-CE49-4B9B-B7CE-189B4CACB360}"/>
+                <a16:creationId xmlns="" xmlns:a16="http://schemas.microsoft.com/office/drawing/2014/main" id="{00E93532-CE49-4B9B-B7CE-189B4CACB360}"/>
               </a:ext>
             </a:extLst>
           </p:cNvPr>
@@ -56678,7 +58141,7 @@
           <p:cNvPr id="48" name="Text Placeholder 47">
             <a:extLst>
               <a:ext uri="{FF2B5EF4-FFF2-40B4-BE49-F238E27FC236}">
-                <a16:creationId xmlns:a16="http://schemas.microsoft.com/office/drawing/2014/main" xmlns="" id="{80356F4D-EF6F-4CA4-9F12-1144AB06B635}"/>
+                <a16:creationId xmlns="" xmlns:a16="http://schemas.microsoft.com/office/drawing/2014/main" id="{80356F4D-EF6F-4CA4-9F12-1144AB06B635}"/>
               </a:ext>
             </a:extLst>
           </p:cNvPr>
@@ -56712,7 +58175,7 @@
           <p:cNvPr id="4" name="Footer Placeholder 3">
             <a:extLst>
               <a:ext uri="{FF2B5EF4-FFF2-40B4-BE49-F238E27FC236}">
-                <a16:creationId xmlns:a16="http://schemas.microsoft.com/office/drawing/2014/main" xmlns="" id="{D1003659-1C3C-40E5-BE1B-1DCC6A9CA541}"/>
+                <a16:creationId xmlns="" xmlns:a16="http://schemas.microsoft.com/office/drawing/2014/main" id="{D1003659-1C3C-40E5-BE1B-1DCC6A9CA541}"/>
               </a:ext>
             </a:extLst>
           </p:cNvPr>
@@ -56741,7 +58204,7 @@
           <p:cNvPr id="3" name="Date Placeholder 2">
             <a:extLst>
               <a:ext uri="{FF2B5EF4-FFF2-40B4-BE49-F238E27FC236}">
-                <a16:creationId xmlns:a16="http://schemas.microsoft.com/office/drawing/2014/main" xmlns="" id="{8F0B8AAA-F436-42D2-B561-5E65C6A014F8}"/>
+                <a16:creationId xmlns="" xmlns:a16="http://schemas.microsoft.com/office/drawing/2014/main" id="{8F0B8AAA-F436-42D2-B561-5E65C6A014F8}"/>
               </a:ext>
             </a:extLst>
           </p:cNvPr>
@@ -56771,7 +58234,7 @@
           <p:cNvPr id="5" name="Slide Number Placeholder 4">
             <a:extLst>
               <a:ext uri="{FF2B5EF4-FFF2-40B4-BE49-F238E27FC236}">
-                <a16:creationId xmlns:a16="http://schemas.microsoft.com/office/drawing/2014/main" xmlns="" id="{593FD034-B9C1-41DF-9CA6-A5C81E6FC807}"/>
+                <a16:creationId xmlns="" xmlns:a16="http://schemas.microsoft.com/office/drawing/2014/main" id="{593FD034-B9C1-41DF-9CA6-A5C81E6FC807}"/>
               </a:ext>
             </a:extLst>
           </p:cNvPr>
